--- a/wordcamp-greece.pptx
+++ b/wordcamp-greece.pptx
@@ -3637,8 +3637,8 @@
         </p:nvSpPr>
         <p:spPr>
           <a:xfrm>
-            <a:off x="974409" y="3720313"/>
-            <a:ext cx="10546080" cy="1077218"/>
+            <a:off x="974409" y="3161429"/>
+            <a:ext cx="10546080" cy="2616101"/>
           </a:xfrm>
           <a:prstGeom prst="rect">
             <a:avLst/>
@@ -3651,34 +3651,39 @@
           </a:bodyPr>
           <a:lstStyle/>
           <a:p>
+            <a:pPr algn="ctr"/>
             <a:endParaRPr lang="en-GB" sz="3200" dirty="0">
               <a:solidFill>
                 <a:schemeClr val="bg1"/>
               </a:solidFill>
-              <a:latin typeface="Segoe UI" panose="020B0502040204020203" pitchFamily="34" charset="0"/>
+              <a:latin typeface="Avenir Next LT Pro" panose="020B0504020202020204" pitchFamily="34" charset="0"/>
               <a:cs typeface="Segoe UI" panose="020B0502040204020203" pitchFamily="34" charset="0"/>
             </a:endParaRPr>
           </a:p>
           <a:p>
-            <a:r>
-              <a:rPr lang="en-GB" sz="3200" dirty="0">
+            <a:pPr algn="ctr"/>
+            <a:r>
+              <a:rPr lang="en-GB" sz="4400" dirty="0">
                 <a:solidFill>
                   <a:schemeClr val="bg1"/>
                 </a:solidFill>
-                <a:latin typeface="Segoe UI" panose="020B0502040204020203" pitchFamily="34" charset="0"/>
+                <a:latin typeface="Avenir Next LT Pro" panose="020B0504020202020204" pitchFamily="34" charset="0"/>
                 <a:cs typeface="Segoe UI" panose="020B0502040204020203" pitchFamily="34" charset="0"/>
               </a:rPr>
-              <a:t>For all resources please go to </a:t>
-            </a:r>
-            <a:r>
-              <a:rPr lang="en-GB" sz="3200" b="1" dirty="0">
+              <a:t>For all resources please go to:</a:t>
+            </a:r>
+          </a:p>
+          <a:p>
+            <a:pPr algn="ctr"/>
+            <a:r>
+              <a:rPr lang="en-GB" sz="8800" dirty="0">
                 <a:solidFill>
                   <a:schemeClr val="bg1"/>
                 </a:solidFill>
-                <a:latin typeface="Segoe UI" panose="020B0502040204020203" pitchFamily="34" charset="0"/>
+                <a:latin typeface="Avenir Next LT Pro" panose="020B0504020202020204" pitchFamily="34" charset="0"/>
                 <a:cs typeface="Segoe UI" panose="020B0502040204020203" pitchFamily="34" charset="0"/>
               </a:rPr>
-              <a:t>https://wpjs.co.uk/greece</a:t>
+              <a:t> wpjs.co.uk/greece</a:t>
             </a:r>
           </a:p>
         </p:txBody>
@@ -3697,7 +3702,7 @@
         </p:nvSpPr>
         <p:spPr>
           <a:xfrm>
-            <a:off x="4533899" y="5471158"/>
+            <a:off x="4323398" y="5713912"/>
             <a:ext cx="3848101" cy="923330"/>
           </a:xfrm>
           <a:prstGeom prst="rect">

--- a/wordcamp-greece.pptx
+++ b/wordcamp-greece.pptx
@@ -7,16 +7,19 @@
   <p:sldIdLst>
     <p:sldId id="265" r:id="rId2"/>
     <p:sldId id="266" r:id="rId3"/>
-    <p:sldId id="362" r:id="rId4"/>
-    <p:sldId id="361" r:id="rId5"/>
-    <p:sldId id="349" r:id="rId6"/>
-    <p:sldId id="354" r:id="rId7"/>
-    <p:sldId id="357" r:id="rId8"/>
-    <p:sldId id="358" r:id="rId9"/>
-    <p:sldId id="359" r:id="rId10"/>
-    <p:sldId id="360" r:id="rId11"/>
-    <p:sldId id="356" r:id="rId12"/>
-    <p:sldId id="355" r:id="rId13"/>
+    <p:sldId id="263" r:id="rId4"/>
+    <p:sldId id="362" r:id="rId5"/>
+    <p:sldId id="363" r:id="rId6"/>
+    <p:sldId id="364" r:id="rId7"/>
+    <p:sldId id="361" r:id="rId8"/>
+    <p:sldId id="349" r:id="rId9"/>
+    <p:sldId id="354" r:id="rId10"/>
+    <p:sldId id="357" r:id="rId11"/>
+    <p:sldId id="358" r:id="rId12"/>
+    <p:sldId id="359" r:id="rId13"/>
+    <p:sldId id="360" r:id="rId14"/>
+    <p:sldId id="356" r:id="rId15"/>
+    <p:sldId id="355" r:id="rId16"/>
   </p:sldIdLst>
   <p:sldSz cx="12192000" cy="6858000"/>
   <p:notesSz cx="6858000" cy="9144000"/>
@@ -299,7 +302,7 @@
           <a:p>
             <a:fld id="{C5F59531-FE7D-4CBC-B89F-A20805D46E5F}" type="datetimeFigureOut">
               <a:rPr lang="en-GB" smtClean="0"/>
-              <a:t>06/04/2021</a:t>
+              <a:t>12/04/2021</a:t>
             </a:fld>
             <a:endParaRPr lang="en-GB"/>
           </a:p>
@@ -499,7 +502,7 @@
           <a:p>
             <a:fld id="{C5F59531-FE7D-4CBC-B89F-A20805D46E5F}" type="datetimeFigureOut">
               <a:rPr lang="en-GB" smtClean="0"/>
-              <a:t>06/04/2021</a:t>
+              <a:t>12/04/2021</a:t>
             </a:fld>
             <a:endParaRPr lang="en-GB"/>
           </a:p>
@@ -709,7 +712,7 @@
           <a:p>
             <a:fld id="{C5F59531-FE7D-4CBC-B89F-A20805D46E5F}" type="datetimeFigureOut">
               <a:rPr lang="en-GB" smtClean="0"/>
-              <a:t>06/04/2021</a:t>
+              <a:t>12/04/2021</a:t>
             </a:fld>
             <a:endParaRPr lang="en-GB"/>
           </a:p>
@@ -909,7 +912,7 @@
           <a:p>
             <a:fld id="{C5F59531-FE7D-4CBC-B89F-A20805D46E5F}" type="datetimeFigureOut">
               <a:rPr lang="en-GB" smtClean="0"/>
-              <a:t>06/04/2021</a:t>
+              <a:t>12/04/2021</a:t>
             </a:fld>
             <a:endParaRPr lang="en-GB"/>
           </a:p>
@@ -1185,7 +1188,7 @@
           <a:p>
             <a:fld id="{C5F59531-FE7D-4CBC-B89F-A20805D46E5F}" type="datetimeFigureOut">
               <a:rPr lang="en-GB" smtClean="0"/>
-              <a:t>06/04/2021</a:t>
+              <a:t>12/04/2021</a:t>
             </a:fld>
             <a:endParaRPr lang="en-GB"/>
           </a:p>
@@ -1453,7 +1456,7 @@
           <a:p>
             <a:fld id="{C5F59531-FE7D-4CBC-B89F-A20805D46E5F}" type="datetimeFigureOut">
               <a:rPr lang="en-GB" smtClean="0"/>
-              <a:t>06/04/2021</a:t>
+              <a:t>12/04/2021</a:t>
             </a:fld>
             <a:endParaRPr lang="en-GB"/>
           </a:p>
@@ -1868,7 +1871,7 @@
           <a:p>
             <a:fld id="{C5F59531-FE7D-4CBC-B89F-A20805D46E5F}" type="datetimeFigureOut">
               <a:rPr lang="en-GB" smtClean="0"/>
-              <a:t>06/04/2021</a:t>
+              <a:t>12/04/2021</a:t>
             </a:fld>
             <a:endParaRPr lang="en-GB"/>
           </a:p>
@@ -2010,7 +2013,7 @@
           <a:p>
             <a:fld id="{C5F59531-FE7D-4CBC-B89F-A20805D46E5F}" type="datetimeFigureOut">
               <a:rPr lang="en-GB" smtClean="0"/>
-              <a:t>06/04/2021</a:t>
+              <a:t>12/04/2021</a:t>
             </a:fld>
             <a:endParaRPr lang="en-GB"/>
           </a:p>
@@ -2123,7 +2126,7 @@
           <a:p>
             <a:fld id="{C5F59531-FE7D-4CBC-B89F-A20805D46E5F}" type="datetimeFigureOut">
               <a:rPr lang="en-GB" smtClean="0"/>
-              <a:t>06/04/2021</a:t>
+              <a:t>12/04/2021</a:t>
             </a:fld>
             <a:endParaRPr lang="en-GB"/>
           </a:p>
@@ -2436,7 +2439,7 @@
           <a:p>
             <a:fld id="{C5F59531-FE7D-4CBC-B89F-A20805D46E5F}" type="datetimeFigureOut">
               <a:rPr lang="en-GB" smtClean="0"/>
-              <a:t>06/04/2021</a:t>
+              <a:t>12/04/2021</a:t>
             </a:fld>
             <a:endParaRPr lang="en-GB"/>
           </a:p>
@@ -2725,7 +2728,7 @@
           <a:p>
             <a:fld id="{C5F59531-FE7D-4CBC-B89F-A20805D46E5F}" type="datetimeFigureOut">
               <a:rPr lang="en-GB" smtClean="0"/>
-              <a:t>06/04/2021</a:t>
+              <a:t>12/04/2021</a:t>
             </a:fld>
             <a:endParaRPr lang="en-GB"/>
           </a:p>
@@ -2974,7 +2977,7 @@
           <a:p>
             <a:fld id="{C5F59531-FE7D-4CBC-B89F-A20805D46E5F}" type="datetimeFigureOut">
               <a:rPr lang="en-GB" smtClean="0"/>
-              <a:t>06/04/2021</a:t>
+              <a:t>12/04/2021</a:t>
             </a:fld>
             <a:endParaRPr lang="en-GB"/>
           </a:p>
@@ -3637,8 +3640,8 @@
         </p:nvSpPr>
         <p:spPr>
           <a:xfrm>
-            <a:off x="974409" y="3161429"/>
-            <a:ext cx="10546080" cy="2616101"/>
+            <a:off x="174171" y="3161429"/>
+            <a:ext cx="11817532" cy="2277547"/>
           </a:xfrm>
           <a:prstGeom prst="rect">
             <a:avLst/>
@@ -3670,20 +3673,27 @@
                 <a:latin typeface="Avenir Next LT Pro" panose="020B0504020202020204" pitchFamily="34" charset="0"/>
                 <a:cs typeface="Segoe UI" panose="020B0502040204020203" pitchFamily="34" charset="0"/>
               </a:rPr>
-              <a:t>For all resources please go to:</a:t>
-            </a:r>
+              <a:t>For all resources, slides etc please go to:</a:t>
+            </a:r>
+            <a:endParaRPr lang="en-GB" sz="8800" dirty="0">
+              <a:solidFill>
+                <a:schemeClr val="bg1"/>
+              </a:solidFill>
+              <a:latin typeface="Avenir Next LT Pro" panose="020B0504020202020204" pitchFamily="34" charset="0"/>
+              <a:cs typeface="Segoe UI" panose="020B0502040204020203" pitchFamily="34" charset="0"/>
+            </a:endParaRPr>
           </a:p>
           <a:p>
             <a:pPr algn="ctr"/>
             <a:r>
-              <a:rPr lang="en-GB" sz="8800" dirty="0">
+              <a:rPr lang="en-GB" sz="6600" b="1" dirty="0">
                 <a:solidFill>
                   <a:schemeClr val="bg1"/>
                 </a:solidFill>
                 <a:latin typeface="Avenir Next LT Pro" panose="020B0504020202020204" pitchFamily="34" charset="0"/>
                 <a:cs typeface="Segoe UI" panose="020B0502040204020203" pitchFamily="34" charset="0"/>
               </a:rPr>
-              <a:t> wpjs.co.uk/greece</a:t>
+              <a:t>wp-html.co.uk/workshop</a:t>
             </a:r>
           </a:p>
         </p:txBody>
@@ -3761,24 +3771,61 @@
       </p:grpSpPr>
       <p:sp>
         <p:nvSpPr>
-          <p:cNvPr id="3" name="Content Placeholder 2">
-            <a:extLst>
-              <a:ext uri="{FF2B5EF4-FFF2-40B4-BE49-F238E27FC236}">
-                <a16:creationId xmlns:a16="http://schemas.microsoft.com/office/drawing/2014/main" id="{C77D8FCA-15A2-453C-BEDB-B01FF3E48151}"/>
-              </a:ext>
-            </a:extLst>
-          </p:cNvPr>
-          <p:cNvSpPr>
-            <a:spLocks noGrp="1"/>
-          </p:cNvSpPr>
-          <p:nvPr>
-            <p:ph idx="1"/>
+          <p:cNvPr id="2" name="Title 1">
+            <a:extLst>
+              <a:ext uri="{FF2B5EF4-FFF2-40B4-BE49-F238E27FC236}">
+                <a16:creationId xmlns:a16="http://schemas.microsoft.com/office/drawing/2014/main" id="{81769C98-962F-4C3A-B575-99BB0A9C6763}"/>
+              </a:ext>
+            </a:extLst>
+          </p:cNvPr>
+          <p:cNvSpPr>
+            <a:spLocks noGrp="1"/>
+          </p:cNvSpPr>
+          <p:nvPr>
+            <p:ph type="title"/>
           </p:nvPr>
         </p:nvSpPr>
         <p:spPr>
           <a:xfrm>
-            <a:off x="742950" y="1488416"/>
-            <a:ext cx="10515600" cy="4236110"/>
+            <a:off x="910628" y="371568"/>
+            <a:ext cx="10515600" cy="892835"/>
+          </a:xfrm>
+        </p:spPr>
+        <p:txBody>
+          <a:bodyPr/>
+          <a:lstStyle/>
+          <a:p>
+            <a:r>
+              <a:rPr lang="en-GB" dirty="0">
+                <a:solidFill>
+                  <a:schemeClr val="bg1"/>
+                </a:solidFill>
+              </a:rPr>
+              <a:t>Endpoints</a:t>
+            </a:r>
+          </a:p>
+        </p:txBody>
+      </p:sp>
+      <p:sp>
+        <p:nvSpPr>
+          <p:cNvPr id="3" name="Content Placeholder 2">
+            <a:extLst>
+              <a:ext uri="{FF2B5EF4-FFF2-40B4-BE49-F238E27FC236}">
+                <a16:creationId xmlns:a16="http://schemas.microsoft.com/office/drawing/2014/main" id="{C77D8FCA-15A2-453C-BEDB-B01FF3E48151}"/>
+              </a:ext>
+            </a:extLst>
+          </p:cNvPr>
+          <p:cNvSpPr>
+            <a:spLocks noGrp="1"/>
+          </p:cNvSpPr>
+          <p:nvPr>
+            <p:ph idx="1"/>
+          </p:nvPr>
+        </p:nvSpPr>
+        <p:spPr>
+          <a:xfrm>
+            <a:off x="910628" y="1348300"/>
+            <a:ext cx="10515600" cy="5185757"/>
           </a:xfrm>
         </p:spPr>
         <p:txBody>
@@ -3790,7 +3837,7 @@
             <a:pPr marL="457200" lvl="1" indent="0">
               <a:buNone/>
             </a:pPr>
-            <a:endParaRPr lang="en-GB" sz="2000" dirty="0">
+            <a:endParaRPr lang="en-GB" sz="900" dirty="0">
               <a:solidFill>
                 <a:schemeClr val="bg1"/>
               </a:solidFill>
@@ -3799,40 +3846,41 @@
             </a:endParaRPr>
           </a:p>
           <a:p>
-            <a:pPr lvl="1"/>
-            <a:r>
-              <a:rPr lang="en-GB" dirty="0">
-                <a:solidFill>
-                  <a:schemeClr val="bg1"/>
-                </a:solidFill>
-              </a:rPr>
-              <a:t>Strings – Booleans – Numbers </a:t>
-            </a:r>
-          </a:p>
-          <a:p>
-            <a:pPr lvl="1"/>
-            <a:r>
-              <a:rPr lang="en-GB" dirty="0">
-                <a:solidFill>
-                  <a:schemeClr val="bg1"/>
-                </a:solidFill>
-              </a:rPr>
-              <a:t>Null – Object - Array</a:t>
-            </a:r>
-            <a:endParaRPr lang="en-GB" dirty="0">
-              <a:solidFill>
-                <a:schemeClr val="bg1"/>
-              </a:solidFill>
-              <a:latin typeface="Segoe UI" panose="020B0502040204020203" pitchFamily="34" charset="0"/>
-              <a:cs typeface="Segoe UI" panose="020B0502040204020203" pitchFamily="34" charset="0"/>
-            </a:endParaRPr>
-          </a:p>
-          <a:p>
             <a:pPr marL="457200" lvl="1" indent="0">
               <a:buNone/>
             </a:pPr>
             <a:r>
-              <a:rPr lang="en-GB" sz="3200" dirty="0">
+              <a:rPr lang="en-GB" sz="3600" dirty="0">
+                <a:solidFill>
+                  <a:schemeClr val="bg1"/>
+                </a:solidFill>
+                <a:latin typeface="Segoe UI" panose="020B0502040204020203" pitchFamily="34" charset="0"/>
+                <a:cs typeface="Segoe UI" panose="020B0502040204020203" pitchFamily="34" charset="0"/>
+              </a:rPr>
+              <a:t>HTTP VERB + URL = ENDPOINT</a:t>
+            </a:r>
+          </a:p>
+          <a:p>
+            <a:pPr marL="457200" lvl="1" indent="0">
+              <a:buNone/>
+            </a:pPr>
+            <a:r>
+              <a:rPr lang="en-GB" sz="3600" dirty="0">
+                <a:solidFill>
+                  <a:schemeClr val="bg1"/>
+                </a:solidFill>
+                <a:latin typeface="Segoe UI" panose="020B0502040204020203" pitchFamily="34" charset="0"/>
+                <a:cs typeface="Segoe UI" panose="020B0502040204020203" pitchFamily="34" charset="0"/>
+              </a:rPr>
+              <a:t>GET/POST + same URL = 2 ENDPOINTS</a:t>
+            </a:r>
+          </a:p>
+          <a:p>
+            <a:pPr marL="457200" lvl="1" indent="0">
+              <a:buNone/>
+            </a:pPr>
+            <a:r>
+              <a:rPr lang="en-GB" sz="2400" dirty="0">
                 <a:solidFill>
                   <a:schemeClr val="bg1"/>
                 </a:solidFill>
@@ -3844,9 +3892,17 @@
                   </a:extLst>
                 </a:hlinkClick>
               </a:rPr>
-              <a:t>https://wp-html.co.uk/greece/wp-json/wp/v2/posts</a:t>
-            </a:r>
-            <a:endParaRPr lang="en-GB" sz="3200" dirty="0">
+              <a:t>https://wpjs.co.uk/wpb/wp-json/wp/v2/posts</a:t>
+            </a:r>
+            <a:r>
+              <a:rPr lang="en-GB" sz="2400" dirty="0">
+                <a:solidFill>
+                  <a:schemeClr val="bg1"/>
+                </a:solidFill>
+              </a:rPr>
+              <a:t>  GET/POST/DELETE</a:t>
+            </a:r>
+            <a:endParaRPr lang="en-GB" sz="2400" dirty="0">
               <a:solidFill>
                 <a:schemeClr val="bg1"/>
               </a:solidFill>
@@ -3855,68 +3911,14 @@
             </a:endParaRPr>
           </a:p>
           <a:p>
-            <a:endParaRPr lang="en-GB" sz="2000" dirty="0">
-              <a:solidFill>
-                <a:schemeClr val="bg1"/>
-              </a:solidFill>
-            </a:endParaRPr>
-          </a:p>
-        </p:txBody>
-      </p:sp>
-      <p:sp>
-        <p:nvSpPr>
-          <p:cNvPr id="6" name="Title 1">
-            <a:extLst>
-              <a:ext uri="{FF2B5EF4-FFF2-40B4-BE49-F238E27FC236}">
-                <a16:creationId xmlns:a16="http://schemas.microsoft.com/office/drawing/2014/main" id="{C0582C0D-9651-4536-A891-9AA341901EC9}"/>
-              </a:ext>
-            </a:extLst>
-          </p:cNvPr>
-          <p:cNvSpPr>
-            <a:spLocks noGrp="1"/>
-          </p:cNvSpPr>
-          <p:nvPr>
-            <p:ph type="title"/>
-          </p:nvPr>
-        </p:nvSpPr>
-        <p:spPr>
-          <a:xfrm>
-            <a:off x="910628" y="354940"/>
-            <a:ext cx="10515600" cy="892835"/>
-          </a:xfrm>
-        </p:spPr>
-        <p:txBody>
-          <a:bodyPr/>
-          <a:lstStyle/>
-          <a:p>
-            <a:r>
-              <a:rPr lang="en-GB" dirty="0">
-                <a:solidFill>
-                  <a:schemeClr val="bg1"/>
-                </a:solidFill>
-              </a:rPr>
-              <a:t>JSON </a:t>
-            </a:r>
-            <a:r>
-              <a:rPr lang="en-GB">
-                <a:solidFill>
-                  <a:schemeClr val="bg1"/>
-                </a:solidFill>
-              </a:rPr>
-              <a:t>– Data Types</a:t>
-            </a:r>
-            <a:endParaRPr lang="en-GB" dirty="0">
-              <a:solidFill>
-                <a:schemeClr val="bg1"/>
-              </a:solidFill>
-            </a:endParaRPr>
+            <a:endParaRPr lang="en-GB" dirty="0"/>
           </a:p>
         </p:txBody>
       </p:sp>
     </p:spTree>
     <p:extLst>
       <p:ext uri="{BB962C8B-B14F-4D97-AF65-F5344CB8AC3E}">
-        <p14:creationId xmlns:p14="http://schemas.microsoft.com/office/powerpoint/2010/main" val="2317002714"/>
+        <p14:creationId xmlns:p14="http://schemas.microsoft.com/office/powerpoint/2010/main" val="3261839569"/>
       </p:ext>
     </p:extLst>
   </p:cSld>
@@ -3961,6 +3963,592 @@
         </p:nvSpPr>
         <p:spPr>
           <a:xfrm>
+            <a:off x="920153" y="320950"/>
+            <a:ext cx="10515600" cy="892835"/>
+          </a:xfrm>
+        </p:spPr>
+        <p:txBody>
+          <a:bodyPr/>
+          <a:lstStyle/>
+          <a:p>
+            <a:r>
+              <a:rPr lang="en-GB" dirty="0">
+                <a:solidFill>
+                  <a:schemeClr val="bg1"/>
+                </a:solidFill>
+              </a:rPr>
+              <a:t>AJAX</a:t>
+            </a:r>
+          </a:p>
+        </p:txBody>
+      </p:sp>
+      <p:sp>
+        <p:nvSpPr>
+          <p:cNvPr id="3" name="Content Placeholder 2">
+            <a:extLst>
+              <a:ext uri="{FF2B5EF4-FFF2-40B4-BE49-F238E27FC236}">
+                <a16:creationId xmlns:a16="http://schemas.microsoft.com/office/drawing/2014/main" id="{C77D8FCA-15A2-453C-BEDB-B01FF3E48151}"/>
+              </a:ext>
+            </a:extLst>
+          </p:cNvPr>
+          <p:cNvSpPr>
+            <a:spLocks noGrp="1"/>
+          </p:cNvSpPr>
+          <p:nvPr>
+            <p:ph idx="1"/>
+          </p:nvPr>
+        </p:nvSpPr>
+        <p:spPr>
+          <a:xfrm>
+            <a:off x="838200" y="904875"/>
+            <a:ext cx="10515600" cy="5185757"/>
+          </a:xfrm>
+        </p:spPr>
+        <p:txBody>
+          <a:bodyPr>
+            <a:noAutofit/>
+          </a:bodyPr>
+          <a:lstStyle/>
+          <a:p>
+            <a:pPr marL="457200" lvl="1" indent="0">
+              <a:buNone/>
+            </a:pPr>
+            <a:endParaRPr lang="en-GB" sz="900" dirty="0">
+              <a:solidFill>
+                <a:schemeClr val="bg1"/>
+              </a:solidFill>
+              <a:latin typeface="Segoe UI" panose="020B0502040204020203" pitchFamily="34" charset="0"/>
+              <a:cs typeface="Segoe UI" panose="020B0502040204020203" pitchFamily="34" charset="0"/>
+            </a:endParaRPr>
+          </a:p>
+          <a:p>
+            <a:pPr marL="457200" lvl="1" indent="0">
+              <a:buNone/>
+            </a:pPr>
+            <a:r>
+              <a:rPr lang="en-GB" sz="3600" dirty="0">
+                <a:solidFill>
+                  <a:schemeClr val="bg1"/>
+                </a:solidFill>
+              </a:rPr>
+              <a:t>AJAX = </a:t>
+            </a:r>
+            <a:r>
+              <a:rPr lang="en-GB" sz="3600" b="1" dirty="0">
+                <a:solidFill>
+                  <a:schemeClr val="bg1"/>
+                </a:solidFill>
+              </a:rPr>
+              <a:t>A</a:t>
+            </a:r>
+            <a:r>
+              <a:rPr lang="en-GB" sz="3600" dirty="0">
+                <a:solidFill>
+                  <a:schemeClr val="bg1"/>
+                </a:solidFill>
+              </a:rPr>
+              <a:t>synchronous </a:t>
+            </a:r>
+            <a:r>
+              <a:rPr lang="en-GB" sz="3600" b="1" dirty="0">
+                <a:solidFill>
+                  <a:schemeClr val="bg1"/>
+                </a:solidFill>
+              </a:rPr>
+              <a:t>J</a:t>
+            </a:r>
+            <a:r>
+              <a:rPr lang="en-GB" sz="3600" dirty="0">
+                <a:solidFill>
+                  <a:schemeClr val="bg1"/>
+                </a:solidFill>
+              </a:rPr>
+              <a:t>avaScript </a:t>
+            </a:r>
+            <a:r>
+              <a:rPr lang="en-GB" sz="3600" b="1" dirty="0">
+                <a:solidFill>
+                  <a:schemeClr val="bg1"/>
+                </a:solidFill>
+              </a:rPr>
+              <a:t>A</a:t>
+            </a:r>
+            <a:r>
+              <a:rPr lang="en-GB" sz="3600" dirty="0">
+                <a:solidFill>
+                  <a:schemeClr val="bg1"/>
+                </a:solidFill>
+              </a:rPr>
+              <a:t>nd </a:t>
+            </a:r>
+            <a:r>
+              <a:rPr lang="en-GB" sz="3600" b="1" dirty="0">
+                <a:solidFill>
+                  <a:schemeClr val="bg1"/>
+                </a:solidFill>
+              </a:rPr>
+              <a:t>X</a:t>
+            </a:r>
+            <a:r>
+              <a:rPr lang="en-GB" sz="3600" dirty="0">
+                <a:solidFill>
+                  <a:schemeClr val="bg1"/>
+                </a:solidFill>
+              </a:rPr>
+              <a:t>ML.</a:t>
+            </a:r>
+            <a:endParaRPr lang="en-GB" sz="3600" dirty="0">
+              <a:solidFill>
+                <a:schemeClr val="bg1"/>
+              </a:solidFill>
+              <a:latin typeface="Segoe UI" panose="020B0502040204020203" pitchFamily="34" charset="0"/>
+              <a:cs typeface="Segoe UI" panose="020B0502040204020203" pitchFamily="34" charset="0"/>
+            </a:endParaRPr>
+          </a:p>
+          <a:p>
+            <a:pPr lvl="1"/>
+            <a:r>
+              <a:rPr lang="en-GB" sz="3600" dirty="0">
+                <a:solidFill>
+                  <a:schemeClr val="bg1"/>
+                </a:solidFill>
+              </a:rPr>
+              <a:t>Read data from a web server </a:t>
+            </a:r>
+            <a:r>
+              <a:rPr lang="en-GB" sz="3600" i="1" dirty="0">
+                <a:solidFill>
+                  <a:schemeClr val="bg1"/>
+                </a:solidFill>
+              </a:rPr>
+              <a:t>without reloading the page</a:t>
+            </a:r>
+          </a:p>
+          <a:p>
+            <a:pPr lvl="1"/>
+            <a:r>
+              <a:rPr lang="en-GB" sz="3600" dirty="0">
+                <a:solidFill>
+                  <a:schemeClr val="bg1"/>
+                </a:solidFill>
+              </a:rPr>
+              <a:t>Update a web page</a:t>
+            </a:r>
+          </a:p>
+          <a:p>
+            <a:pPr lvl="1"/>
+            <a:r>
+              <a:rPr lang="en-GB" sz="3600" dirty="0">
+                <a:solidFill>
+                  <a:schemeClr val="bg1"/>
+                </a:solidFill>
+              </a:rPr>
+              <a:t>Send data to a web server - in the background</a:t>
+            </a:r>
+          </a:p>
+          <a:p>
+            <a:endParaRPr lang="en-GB" dirty="0"/>
+          </a:p>
+        </p:txBody>
+      </p:sp>
+    </p:spTree>
+    <p:extLst>
+      <p:ext uri="{BB962C8B-B14F-4D97-AF65-F5344CB8AC3E}">
+        <p14:creationId xmlns:p14="http://schemas.microsoft.com/office/powerpoint/2010/main" val="1482472910"/>
+      </p:ext>
+    </p:extLst>
+  </p:cSld>
+  <p:clrMapOvr>
+    <a:masterClrMapping/>
+  </p:clrMapOvr>
+</p:sld>
+</file>
+
+<file path=ppt/slides/slide12.xml><?xml version="1.0" encoding="utf-8"?>
+<p:sld xmlns:a="http://schemas.openxmlformats.org/drawingml/2006/main" xmlns:r="http://schemas.openxmlformats.org/officeDocument/2006/relationships" xmlns:p="http://schemas.openxmlformats.org/presentationml/2006/main">
+  <p:cSld>
+    <p:spTree>
+      <p:nvGrpSpPr>
+        <p:cNvPr id="1" name=""/>
+        <p:cNvGrpSpPr/>
+        <p:nvPr/>
+      </p:nvGrpSpPr>
+      <p:grpSpPr>
+        <a:xfrm>
+          <a:off x="0" y="0"/>
+          <a:ext cx="0" cy="0"/>
+          <a:chOff x="0" y="0"/>
+          <a:chExt cx="0" cy="0"/>
+        </a:xfrm>
+      </p:grpSpPr>
+      <p:sp>
+        <p:nvSpPr>
+          <p:cNvPr id="2" name="Title 1">
+            <a:extLst>
+              <a:ext uri="{FF2B5EF4-FFF2-40B4-BE49-F238E27FC236}">
+                <a16:creationId xmlns:a16="http://schemas.microsoft.com/office/drawing/2014/main" id="{81769C98-962F-4C3A-B575-99BB0A9C6763}"/>
+              </a:ext>
+            </a:extLst>
+          </p:cNvPr>
+          <p:cNvSpPr>
+            <a:spLocks noGrp="1"/>
+          </p:cNvSpPr>
+          <p:nvPr>
+            <p:ph type="title"/>
+          </p:nvPr>
+        </p:nvSpPr>
+        <p:spPr>
+          <a:xfrm>
+            <a:off x="910628" y="354940"/>
+            <a:ext cx="10515600" cy="892835"/>
+          </a:xfrm>
+        </p:spPr>
+        <p:txBody>
+          <a:bodyPr/>
+          <a:lstStyle/>
+          <a:p>
+            <a:r>
+              <a:rPr lang="en-GB" dirty="0">
+                <a:solidFill>
+                  <a:schemeClr val="bg1"/>
+                </a:solidFill>
+              </a:rPr>
+              <a:t>JSON – JavaScript Object Notation</a:t>
+            </a:r>
+          </a:p>
+        </p:txBody>
+      </p:sp>
+      <p:sp>
+        <p:nvSpPr>
+          <p:cNvPr id="3" name="Content Placeholder 2">
+            <a:extLst>
+              <a:ext uri="{FF2B5EF4-FFF2-40B4-BE49-F238E27FC236}">
+                <a16:creationId xmlns:a16="http://schemas.microsoft.com/office/drawing/2014/main" id="{C77D8FCA-15A2-453C-BEDB-B01FF3E48151}"/>
+              </a:ext>
+            </a:extLst>
+          </p:cNvPr>
+          <p:cNvSpPr>
+            <a:spLocks noGrp="1"/>
+          </p:cNvSpPr>
+          <p:nvPr>
+            <p:ph idx="1"/>
+          </p:nvPr>
+        </p:nvSpPr>
+        <p:spPr>
+          <a:xfrm>
+            <a:off x="669200" y="532921"/>
+            <a:ext cx="10515600" cy="5185757"/>
+          </a:xfrm>
+        </p:spPr>
+        <p:txBody>
+          <a:bodyPr>
+            <a:noAutofit/>
+          </a:bodyPr>
+          <a:lstStyle/>
+          <a:p>
+            <a:pPr marL="457200" lvl="1" indent="0">
+              <a:buNone/>
+            </a:pPr>
+            <a:endParaRPr lang="en-GB" sz="900" dirty="0">
+              <a:solidFill>
+                <a:schemeClr val="bg1"/>
+              </a:solidFill>
+              <a:latin typeface="Segoe UI" panose="020B0502040204020203" pitchFamily="34" charset="0"/>
+              <a:cs typeface="Segoe UI" panose="020B0502040204020203" pitchFamily="34" charset="0"/>
+            </a:endParaRPr>
+          </a:p>
+          <a:p>
+            <a:pPr lvl="1"/>
+            <a:r>
+              <a:rPr lang="en-GB" sz="2800" dirty="0">
+                <a:solidFill>
+                  <a:schemeClr val="bg1"/>
+                </a:solidFill>
+              </a:rPr>
+              <a:t>Essentially arrays of arrays.</a:t>
+            </a:r>
+          </a:p>
+          <a:p>
+            <a:pPr lvl="1"/>
+            <a:r>
+              <a:rPr lang="en-GB" sz="2800" dirty="0">
+                <a:solidFill>
+                  <a:schemeClr val="bg1"/>
+                </a:solidFill>
+              </a:rPr>
+              <a:t>JSON is a lightweight format for storing and transporting data</a:t>
+            </a:r>
+          </a:p>
+          <a:p>
+            <a:pPr lvl="1"/>
+            <a:r>
+              <a:rPr lang="en-GB" sz="2800" dirty="0">
+                <a:solidFill>
+                  <a:schemeClr val="bg1"/>
+                </a:solidFill>
+              </a:rPr>
+              <a:t>JSON is often used when data is sent from a server to a web page</a:t>
+            </a:r>
+          </a:p>
+          <a:p>
+            <a:pPr lvl="1"/>
+            <a:r>
+              <a:rPr lang="en-GB" sz="2800" dirty="0">
+                <a:solidFill>
+                  <a:schemeClr val="bg1"/>
+                </a:solidFill>
+              </a:rPr>
+              <a:t>JSON is "self-describing" and easy to understand.</a:t>
+            </a:r>
+          </a:p>
+          <a:p>
+            <a:pPr lvl="1"/>
+            <a:r>
+              <a:rPr lang="en-GB" sz="2800" dirty="0">
+                <a:solidFill>
+                  <a:schemeClr val="bg1"/>
+                </a:solidFill>
+              </a:rPr>
+              <a:t>Data is in name/value pairs separated by commas.</a:t>
+            </a:r>
+          </a:p>
+          <a:p>
+            <a:endParaRPr lang="en-GB" dirty="0"/>
+          </a:p>
+        </p:txBody>
+      </p:sp>
+    </p:spTree>
+    <p:extLst>
+      <p:ext uri="{BB962C8B-B14F-4D97-AF65-F5344CB8AC3E}">
+        <p14:creationId xmlns:p14="http://schemas.microsoft.com/office/powerpoint/2010/main" val="4018142618"/>
+      </p:ext>
+    </p:extLst>
+  </p:cSld>
+  <p:clrMapOvr>
+    <a:masterClrMapping/>
+  </p:clrMapOvr>
+</p:sld>
+</file>
+
+<file path=ppt/slides/slide13.xml><?xml version="1.0" encoding="utf-8"?>
+<p:sld xmlns:a="http://schemas.openxmlformats.org/drawingml/2006/main" xmlns:r="http://schemas.openxmlformats.org/officeDocument/2006/relationships" xmlns:p="http://schemas.openxmlformats.org/presentationml/2006/main">
+  <p:cSld>
+    <p:spTree>
+      <p:nvGrpSpPr>
+        <p:cNvPr id="1" name=""/>
+        <p:cNvGrpSpPr/>
+        <p:nvPr/>
+      </p:nvGrpSpPr>
+      <p:grpSpPr>
+        <a:xfrm>
+          <a:off x="0" y="0"/>
+          <a:ext cx="0" cy="0"/>
+          <a:chOff x="0" y="0"/>
+          <a:chExt cx="0" cy="0"/>
+        </a:xfrm>
+      </p:grpSpPr>
+      <p:sp>
+        <p:nvSpPr>
+          <p:cNvPr id="3" name="Content Placeholder 2">
+            <a:extLst>
+              <a:ext uri="{FF2B5EF4-FFF2-40B4-BE49-F238E27FC236}">
+                <a16:creationId xmlns:a16="http://schemas.microsoft.com/office/drawing/2014/main" id="{C77D8FCA-15A2-453C-BEDB-B01FF3E48151}"/>
+              </a:ext>
+            </a:extLst>
+          </p:cNvPr>
+          <p:cNvSpPr>
+            <a:spLocks noGrp="1"/>
+          </p:cNvSpPr>
+          <p:nvPr>
+            <p:ph idx="1"/>
+          </p:nvPr>
+        </p:nvSpPr>
+        <p:spPr>
+          <a:xfrm>
+            <a:off x="742950" y="1488416"/>
+            <a:ext cx="10515600" cy="4236110"/>
+          </a:xfrm>
+        </p:spPr>
+        <p:txBody>
+          <a:bodyPr>
+            <a:noAutofit/>
+          </a:bodyPr>
+          <a:lstStyle/>
+          <a:p>
+            <a:pPr marL="457200" lvl="1" indent="0">
+              <a:buNone/>
+            </a:pPr>
+            <a:endParaRPr lang="en-GB" sz="2000" dirty="0">
+              <a:solidFill>
+                <a:schemeClr val="bg1"/>
+              </a:solidFill>
+              <a:latin typeface="Segoe UI" panose="020B0502040204020203" pitchFamily="34" charset="0"/>
+              <a:cs typeface="Segoe UI" panose="020B0502040204020203" pitchFamily="34" charset="0"/>
+            </a:endParaRPr>
+          </a:p>
+          <a:p>
+            <a:pPr lvl="1"/>
+            <a:r>
+              <a:rPr lang="en-GB" dirty="0">
+                <a:solidFill>
+                  <a:schemeClr val="bg1"/>
+                </a:solidFill>
+              </a:rPr>
+              <a:t>Strings – Booleans – Numbers </a:t>
+            </a:r>
+          </a:p>
+          <a:p>
+            <a:pPr lvl="1"/>
+            <a:r>
+              <a:rPr lang="en-GB" dirty="0">
+                <a:solidFill>
+                  <a:schemeClr val="bg1"/>
+                </a:solidFill>
+              </a:rPr>
+              <a:t>Null – Object - Array</a:t>
+            </a:r>
+            <a:endParaRPr lang="en-GB" dirty="0">
+              <a:solidFill>
+                <a:schemeClr val="bg1"/>
+              </a:solidFill>
+              <a:latin typeface="Segoe UI" panose="020B0502040204020203" pitchFamily="34" charset="0"/>
+              <a:cs typeface="Segoe UI" panose="020B0502040204020203" pitchFamily="34" charset="0"/>
+            </a:endParaRPr>
+          </a:p>
+          <a:p>
+            <a:pPr marL="457200" lvl="1" indent="0">
+              <a:buNone/>
+            </a:pPr>
+            <a:r>
+              <a:rPr lang="en-GB" sz="3200" dirty="0">
+                <a:solidFill>
+                  <a:schemeClr val="bg1"/>
+                </a:solidFill>
+                <a:hlinkClick r:id="rId2">
+                  <a:extLst>
+                    <a:ext uri="{A12FA001-AC4F-418D-AE19-62706E023703}">
+                      <ahyp:hlinkClr xmlns:ahyp="http://schemas.microsoft.com/office/drawing/2018/hyperlinkcolor" val="tx"/>
+                    </a:ext>
+                  </a:extLst>
+                </a:hlinkClick>
+              </a:rPr>
+              <a:t>https://wp-html.co.uk/greece/wp-json/wp/v2/posts</a:t>
+            </a:r>
+            <a:endParaRPr lang="en-GB" sz="3200" dirty="0">
+              <a:solidFill>
+                <a:schemeClr val="bg1"/>
+              </a:solidFill>
+              <a:latin typeface="Segoe UI" panose="020B0502040204020203" pitchFamily="34" charset="0"/>
+              <a:cs typeface="Segoe UI" panose="020B0502040204020203" pitchFamily="34" charset="0"/>
+            </a:endParaRPr>
+          </a:p>
+          <a:p>
+            <a:endParaRPr lang="en-GB" sz="2000" dirty="0">
+              <a:solidFill>
+                <a:schemeClr val="bg1"/>
+              </a:solidFill>
+            </a:endParaRPr>
+          </a:p>
+        </p:txBody>
+      </p:sp>
+      <p:sp>
+        <p:nvSpPr>
+          <p:cNvPr id="6" name="Title 1">
+            <a:extLst>
+              <a:ext uri="{FF2B5EF4-FFF2-40B4-BE49-F238E27FC236}">
+                <a16:creationId xmlns:a16="http://schemas.microsoft.com/office/drawing/2014/main" id="{C0582C0D-9651-4536-A891-9AA341901EC9}"/>
+              </a:ext>
+            </a:extLst>
+          </p:cNvPr>
+          <p:cNvSpPr>
+            <a:spLocks noGrp="1"/>
+          </p:cNvSpPr>
+          <p:nvPr>
+            <p:ph type="title"/>
+          </p:nvPr>
+        </p:nvSpPr>
+        <p:spPr>
+          <a:xfrm>
+            <a:off x="910628" y="354940"/>
+            <a:ext cx="10515600" cy="892835"/>
+          </a:xfrm>
+        </p:spPr>
+        <p:txBody>
+          <a:bodyPr/>
+          <a:lstStyle/>
+          <a:p>
+            <a:r>
+              <a:rPr lang="en-GB" dirty="0">
+                <a:solidFill>
+                  <a:schemeClr val="bg1"/>
+                </a:solidFill>
+              </a:rPr>
+              <a:t>JSON </a:t>
+            </a:r>
+            <a:r>
+              <a:rPr lang="en-GB">
+                <a:solidFill>
+                  <a:schemeClr val="bg1"/>
+                </a:solidFill>
+              </a:rPr>
+              <a:t>– Data Types</a:t>
+            </a:r>
+            <a:endParaRPr lang="en-GB" dirty="0">
+              <a:solidFill>
+                <a:schemeClr val="bg1"/>
+              </a:solidFill>
+            </a:endParaRPr>
+          </a:p>
+        </p:txBody>
+      </p:sp>
+    </p:spTree>
+    <p:extLst>
+      <p:ext uri="{BB962C8B-B14F-4D97-AF65-F5344CB8AC3E}">
+        <p14:creationId xmlns:p14="http://schemas.microsoft.com/office/powerpoint/2010/main" val="2317002714"/>
+      </p:ext>
+    </p:extLst>
+  </p:cSld>
+  <p:clrMapOvr>
+    <a:masterClrMapping/>
+  </p:clrMapOvr>
+</p:sld>
+</file>
+
+<file path=ppt/slides/slide14.xml><?xml version="1.0" encoding="utf-8"?>
+<p:sld xmlns:a="http://schemas.openxmlformats.org/drawingml/2006/main" xmlns:r="http://schemas.openxmlformats.org/officeDocument/2006/relationships" xmlns:p="http://schemas.openxmlformats.org/presentationml/2006/main">
+  <p:cSld>
+    <p:spTree>
+      <p:nvGrpSpPr>
+        <p:cNvPr id="1" name=""/>
+        <p:cNvGrpSpPr/>
+        <p:nvPr/>
+      </p:nvGrpSpPr>
+      <p:grpSpPr>
+        <a:xfrm>
+          <a:off x="0" y="0"/>
+          <a:ext cx="0" cy="0"/>
+          <a:chOff x="0" y="0"/>
+          <a:chExt cx="0" cy="0"/>
+        </a:xfrm>
+      </p:grpSpPr>
+      <p:sp>
+        <p:nvSpPr>
+          <p:cNvPr id="2" name="Title 1">
+            <a:extLst>
+              <a:ext uri="{FF2B5EF4-FFF2-40B4-BE49-F238E27FC236}">
+                <a16:creationId xmlns:a16="http://schemas.microsoft.com/office/drawing/2014/main" id="{81769C98-962F-4C3A-B575-99BB0A9C6763}"/>
+              </a:ext>
+            </a:extLst>
+          </p:cNvPr>
+          <p:cNvSpPr>
+            <a:spLocks noGrp="1"/>
+          </p:cNvSpPr>
+          <p:nvPr>
+            <p:ph type="title"/>
+          </p:nvPr>
+        </p:nvSpPr>
+        <p:spPr>
+          <a:xfrm>
             <a:off x="910628" y="304893"/>
             <a:ext cx="10515600" cy="892835"/>
           </a:xfrm>
@@ -4030,6 +4618,28 @@
               <a:rPr lang="en-GB" dirty="0"/>
               <a:t>We will go through how to clone the site.</a:t>
             </a:r>
+          </a:p>
+          <a:p>
+            <a:r>
+              <a:rPr lang="en-GB" sz="3200" dirty="0">
+                <a:solidFill>
+                  <a:schemeClr val="bg1"/>
+                </a:solidFill>
+                <a:hlinkClick r:id="rId2">
+                  <a:extLst>
+                    <a:ext uri="{A12FA001-AC4F-418D-AE19-62706E023703}">
+                      <ahyp:hlinkClr xmlns:ahyp="http://schemas.microsoft.com/office/drawing/2018/hyperlinkcolor" val="tx"/>
+                    </a:ext>
+                  </a:extLst>
+                </a:hlinkClick>
+              </a:rPr>
+              <a:t>https://github.com/iwswordpress/WordCampGreece</a:t>
+            </a:r>
+            <a:endParaRPr lang="en-GB" sz="3200" dirty="0">
+              <a:solidFill>
+                <a:schemeClr val="bg1"/>
+              </a:solidFill>
+            </a:endParaRPr>
           </a:p>
           <a:p>
             <a:endParaRPr lang="en-GB" dirty="0"/>
@@ -4049,7 +4659,7 @@
 </p:sld>
 </file>
 
-<file path=ppt/slides/slide12.xml><?xml version="1.0" encoding="utf-8"?>
+<file path=ppt/slides/slide15.xml><?xml version="1.0" encoding="utf-8"?>
 <p:sld xmlns:a="http://schemas.openxmlformats.org/drawingml/2006/main" xmlns:r="http://schemas.openxmlformats.org/officeDocument/2006/relationships" xmlns:p="http://schemas.openxmlformats.org/presentationml/2006/main">
   <p:cSld>
     <p:spTree>
@@ -4776,17 +5386,6 @@
 <file path=ppt/slides/slide3.xml><?xml version="1.0" encoding="utf-8"?>
 <p:sld xmlns:a="http://schemas.openxmlformats.org/drawingml/2006/main" xmlns:r="http://schemas.openxmlformats.org/officeDocument/2006/relationships" xmlns:p="http://schemas.openxmlformats.org/presentationml/2006/main">
   <p:cSld>
-    <p:bg>
-      <p:bgPr>
-        <a:solidFill>
-          <a:schemeClr val="tx1">
-            <a:lumMod val="65000"/>
-            <a:lumOff val="35000"/>
-          </a:schemeClr>
-        </a:solidFill>
-        <a:effectLst/>
-      </p:bgPr>
-    </p:bg>
     <p:spTree>
       <p:nvGrpSpPr>
         <p:cNvPr id="1" name=""/>
@@ -4819,8 +5418,8 @@
         </p:nvSpPr>
         <p:spPr>
           <a:xfrm>
-            <a:off x="910628" y="237026"/>
-            <a:ext cx="10515600" cy="892835"/>
+            <a:off x="2913600" y="429339"/>
+            <a:ext cx="5751429" cy="892835"/>
           </a:xfrm>
         </p:spPr>
         <p:txBody>
@@ -4832,8 +5431,9 @@
                 <a:solidFill>
                   <a:schemeClr val="bg1"/>
                 </a:solidFill>
-              </a:rPr>
-              <a:t>Expectations</a:t>
+                <a:latin typeface="Avenir Next LT Pro" panose="020B0504020202020204" pitchFamily="34" charset="0"/>
+              </a:rPr>
+              <a:t>7 plus or minus 2</a:t>
             </a:r>
           </a:p>
         </p:txBody>
@@ -4856,8 +5456,8 @@
         </p:nvSpPr>
         <p:spPr>
           <a:xfrm>
-            <a:off x="910628" y="1129861"/>
-            <a:ext cx="10515600" cy="4598278"/>
+            <a:off x="838200" y="1322174"/>
+            <a:ext cx="10515600" cy="5185757"/>
           </a:xfrm>
         </p:spPr>
         <p:txBody>
@@ -4866,95 +5466,21 @@
           </a:bodyPr>
           <a:lstStyle/>
           <a:p>
-            <a:pPr marL="914400" lvl="1" indent="-457200">
-              <a:buFont typeface="Arial" panose="020B0604020202020204" pitchFamily="34" charset="0"/>
-              <a:buChar char="•"/>
-            </a:pPr>
-            <a:r>
-              <a:rPr lang="en-GB" sz="3200" dirty="0">
-                <a:solidFill>
-                  <a:schemeClr val="bg1"/>
-                </a:solidFill>
-                <a:latin typeface="Segoe UI" panose="020B0502040204020203" pitchFamily="34" charset="0"/>
-                <a:cs typeface="Segoe UI" panose="020B0502040204020203" pitchFamily="34" charset="0"/>
-              </a:rPr>
-              <a:t>I do a lot of courses so I know the challenges.</a:t>
-            </a:r>
-          </a:p>
-          <a:p>
-            <a:pPr marL="914400" lvl="1" indent="-457200">
-              <a:buFont typeface="Arial" panose="020B0604020202020204" pitchFamily="34" charset="0"/>
-              <a:buChar char="•"/>
-            </a:pPr>
-            <a:r>
-              <a:rPr lang="en-GB" sz="3200" dirty="0">
-                <a:solidFill>
-                  <a:schemeClr val="bg1"/>
-                </a:solidFill>
-              </a:rPr>
-              <a:t>View this workshop as an overview.</a:t>
-            </a:r>
-            <a:endParaRPr lang="en-GB" sz="3200" dirty="0">
-              <a:solidFill>
-                <a:schemeClr val="bg1"/>
-              </a:solidFill>
-              <a:latin typeface="Segoe UI" panose="020B0502040204020203" pitchFamily="34" charset="0"/>
-              <a:cs typeface="Segoe UI" panose="020B0502040204020203" pitchFamily="34" charset="0"/>
-            </a:endParaRPr>
-          </a:p>
-          <a:p>
-            <a:pPr marL="914400" lvl="1" indent="-457200">
-              <a:buFont typeface="Arial" panose="020B0604020202020204" pitchFamily="34" charset="0"/>
-              <a:buChar char="•"/>
-            </a:pPr>
-            <a:r>
-              <a:rPr lang="en-GB" sz="3200" dirty="0">
-                <a:solidFill>
-                  <a:schemeClr val="bg1"/>
-                </a:solidFill>
-                <a:latin typeface="Segoe UI" panose="020B0502040204020203" pitchFamily="34" charset="0"/>
-                <a:cs typeface="Segoe UI" panose="020B0502040204020203" pitchFamily="34" charset="0"/>
-              </a:rPr>
-              <a:t>After the workshop you can use the resources to help you understand the concepts more fully.</a:t>
-            </a:r>
-          </a:p>
-          <a:p>
-            <a:pPr marL="914400" lvl="1" indent="-457200">
-              <a:buFont typeface="Arial" panose="020B0604020202020204" pitchFamily="34" charset="0"/>
-              <a:buChar char="•"/>
-            </a:pPr>
-            <a:r>
-              <a:rPr lang="en-GB" sz="3200" dirty="0">
-                <a:solidFill>
-                  <a:schemeClr val="bg1"/>
-                </a:solidFill>
-                <a:latin typeface="Segoe UI" panose="020B0502040204020203" pitchFamily="34" charset="0"/>
-                <a:cs typeface="Segoe UI" panose="020B0502040204020203" pitchFamily="34" charset="0"/>
-              </a:rPr>
-              <a:t>All code files are available and they are well documented as well as the video </a:t>
-            </a:r>
-            <a:r>
-              <a:rPr lang="en-GB" sz="3200">
-                <a:solidFill>
-                  <a:schemeClr val="bg1"/>
-                </a:solidFill>
-                <a:latin typeface="Segoe UI" panose="020B0502040204020203" pitchFamily="34" charset="0"/>
-                <a:cs typeface="Segoe UI" panose="020B0502040204020203" pitchFamily="34" charset="0"/>
-              </a:rPr>
-              <a:t>series.</a:t>
-            </a:r>
-          </a:p>
-          <a:p>
-            <a:pPr marL="914400" lvl="1" indent="-457200">
-              <a:buFont typeface="Arial" panose="020B0604020202020204" pitchFamily="34" charset="0"/>
-              <a:buChar char="•"/>
-            </a:pPr>
-            <a:endParaRPr lang="en-GB" sz="3200" dirty="0">
-              <a:solidFill>
-                <a:schemeClr val="bg1"/>
-              </a:solidFill>
-              <a:latin typeface="Segoe UI" panose="020B0502040204020203" pitchFamily="34" charset="0"/>
-              <a:cs typeface="Segoe UI" panose="020B0502040204020203" pitchFamily="34" charset="0"/>
+            <a:r>
+              <a:rPr lang="en-GB" sz="2800" dirty="0">
+                <a:latin typeface="Georgia" panose="02040502050405020303" pitchFamily="18" charset="0"/>
+              </a:rPr>
+              <a:t>“</a:t>
+            </a:r>
+            <a:r>
+              <a:rPr lang="en-GB" sz="2800" b="0" i="0" dirty="0">
+                <a:effectLst/>
+                <a:latin typeface="Avenir Next LT Pro" panose="020B0504020202020204" pitchFamily="34" charset="0"/>
+              </a:rPr>
+              <a:t>The Magic number 7 (plus or minus two) provides evidence for the capacity of short term memory. Most adults can store between 5 and 9 items in their short-term memory.  This idea was put forward by Miller (1956) and he called it the magic number 7. He though that short term memory could hold 7 (plus or minus 2 items) because it only had a certain number of “slots” in which items could be stored.”</a:t>
+            </a:r>
+            <a:endParaRPr lang="en-GB" sz="2800" dirty="0">
+              <a:latin typeface="Avenir Next LT Pro" panose="020B0504020202020204" pitchFamily="34" charset="0"/>
             </a:endParaRPr>
           </a:p>
         </p:txBody>
@@ -4962,239 +5488,13 @@
     </p:spTree>
     <p:extLst>
       <p:ext uri="{BB962C8B-B14F-4D97-AF65-F5344CB8AC3E}">
-        <p14:creationId xmlns:p14="http://schemas.microsoft.com/office/powerpoint/2010/main" val="2154016240"/>
+        <p14:creationId xmlns:p14="http://schemas.microsoft.com/office/powerpoint/2010/main" val="2505119177"/>
       </p:ext>
     </p:extLst>
   </p:cSld>
   <p:clrMapOvr>
     <a:masterClrMapping/>
   </p:clrMapOvr>
-  <p:timing>
-    <p:tnLst>
-      <p:par>
-        <p:cTn id="1" dur="indefinite" restart="never" nodeType="tmRoot">
-          <p:childTnLst>
-            <p:seq concurrent="1" nextAc="seek">
-              <p:cTn id="2" dur="indefinite" nodeType="mainSeq">
-                <p:childTnLst>
-                  <p:par>
-                    <p:cTn id="3" fill="hold">
-                      <p:stCondLst>
-                        <p:cond delay="indefinite"/>
-                      </p:stCondLst>
-                      <p:childTnLst>
-                        <p:par>
-                          <p:cTn id="4" fill="hold">
-                            <p:stCondLst>
-                              <p:cond delay="0"/>
-                            </p:stCondLst>
-                            <p:childTnLst>
-                              <p:par>
-                                <p:cTn id="5" presetID="1" presetClass="entr" presetSubtype="0" fill="hold" nodeType="clickEffect">
-                                  <p:stCondLst>
-                                    <p:cond delay="0"/>
-                                  </p:stCondLst>
-                                  <p:childTnLst>
-                                    <p:set>
-                                      <p:cBhvr>
-                                        <p:cTn id="6" dur="1" fill="hold">
-                                          <p:stCondLst>
-                                            <p:cond delay="0"/>
-                                          </p:stCondLst>
-                                        </p:cTn>
-                                        <p:tgtEl>
-                                          <p:spTgt spid="3">
-                                            <p:txEl>
-                                              <p:pRg st="0" end="0"/>
-                                            </p:txEl>
-                                          </p:spTgt>
-                                        </p:tgtEl>
-                                        <p:attrNameLst>
-                                          <p:attrName>style.visibility</p:attrName>
-                                        </p:attrNameLst>
-                                      </p:cBhvr>
-                                      <p:to>
-                                        <p:strVal val="visible"/>
-                                      </p:to>
-                                    </p:set>
-                                  </p:childTnLst>
-                                </p:cTn>
-                              </p:par>
-                            </p:childTnLst>
-                          </p:cTn>
-                        </p:par>
-                      </p:childTnLst>
-                    </p:cTn>
-                  </p:par>
-                  <p:par>
-                    <p:cTn id="7" fill="hold">
-                      <p:stCondLst>
-                        <p:cond delay="indefinite"/>
-                      </p:stCondLst>
-                      <p:childTnLst>
-                        <p:par>
-                          <p:cTn id="8" fill="hold">
-                            <p:stCondLst>
-                              <p:cond delay="0"/>
-                            </p:stCondLst>
-                            <p:childTnLst>
-                              <p:par>
-                                <p:cTn id="9" presetID="1" presetClass="entr" presetSubtype="0" fill="hold" nodeType="clickEffect">
-                                  <p:stCondLst>
-                                    <p:cond delay="0"/>
-                                  </p:stCondLst>
-                                  <p:childTnLst>
-                                    <p:set>
-                                      <p:cBhvr>
-                                        <p:cTn id="10" dur="1" fill="hold">
-                                          <p:stCondLst>
-                                            <p:cond delay="0"/>
-                                          </p:stCondLst>
-                                        </p:cTn>
-                                        <p:tgtEl>
-                                          <p:spTgt spid="3">
-                                            <p:txEl>
-                                              <p:pRg st="1" end="1"/>
-                                            </p:txEl>
-                                          </p:spTgt>
-                                        </p:tgtEl>
-                                        <p:attrNameLst>
-                                          <p:attrName>style.visibility</p:attrName>
-                                        </p:attrNameLst>
-                                      </p:cBhvr>
-                                      <p:to>
-                                        <p:strVal val="visible"/>
-                                      </p:to>
-                                    </p:set>
-                                  </p:childTnLst>
-                                </p:cTn>
-                              </p:par>
-                            </p:childTnLst>
-                          </p:cTn>
-                        </p:par>
-                      </p:childTnLst>
-                    </p:cTn>
-                  </p:par>
-                  <p:par>
-                    <p:cTn id="11" fill="hold">
-                      <p:stCondLst>
-                        <p:cond delay="indefinite"/>
-                      </p:stCondLst>
-                      <p:childTnLst>
-                        <p:par>
-                          <p:cTn id="12" fill="hold">
-                            <p:stCondLst>
-                              <p:cond delay="0"/>
-                            </p:stCondLst>
-                            <p:childTnLst>
-                              <p:par>
-                                <p:cTn id="13" presetID="1" presetClass="entr" presetSubtype="0" fill="hold" nodeType="clickEffect">
-                                  <p:stCondLst>
-                                    <p:cond delay="0"/>
-                                  </p:stCondLst>
-                                  <p:childTnLst>
-                                    <p:set>
-                                      <p:cBhvr>
-                                        <p:cTn id="14" dur="1" fill="hold">
-                                          <p:stCondLst>
-                                            <p:cond delay="0"/>
-                                          </p:stCondLst>
-                                        </p:cTn>
-                                        <p:tgtEl>
-                                          <p:spTgt spid="3">
-                                            <p:txEl>
-                                              <p:pRg st="2" end="2"/>
-                                            </p:txEl>
-                                          </p:spTgt>
-                                        </p:tgtEl>
-                                        <p:attrNameLst>
-                                          <p:attrName>style.visibility</p:attrName>
-                                        </p:attrNameLst>
-                                      </p:cBhvr>
-                                      <p:to>
-                                        <p:strVal val="visible"/>
-                                      </p:to>
-                                    </p:set>
-                                  </p:childTnLst>
-                                </p:cTn>
-                              </p:par>
-                            </p:childTnLst>
-                          </p:cTn>
-                        </p:par>
-                      </p:childTnLst>
-                    </p:cTn>
-                  </p:par>
-                  <p:par>
-                    <p:cTn id="15" fill="hold">
-                      <p:stCondLst>
-                        <p:cond delay="indefinite"/>
-                      </p:stCondLst>
-                      <p:childTnLst>
-                        <p:par>
-                          <p:cTn id="16" fill="hold">
-                            <p:stCondLst>
-                              <p:cond delay="0"/>
-                            </p:stCondLst>
-                            <p:childTnLst>
-                              <p:par>
-                                <p:cTn id="17" presetID="1" presetClass="entr" presetSubtype="0" fill="hold" nodeType="clickEffect">
-                                  <p:stCondLst>
-                                    <p:cond delay="0"/>
-                                  </p:stCondLst>
-                                  <p:childTnLst>
-                                    <p:set>
-                                      <p:cBhvr>
-                                        <p:cTn id="18" dur="1" fill="hold">
-                                          <p:stCondLst>
-                                            <p:cond delay="0"/>
-                                          </p:stCondLst>
-                                        </p:cTn>
-                                        <p:tgtEl>
-                                          <p:spTgt spid="3">
-                                            <p:txEl>
-                                              <p:pRg st="3" end="3"/>
-                                            </p:txEl>
-                                          </p:spTgt>
-                                        </p:tgtEl>
-                                        <p:attrNameLst>
-                                          <p:attrName>style.visibility</p:attrName>
-                                        </p:attrNameLst>
-                                      </p:cBhvr>
-                                      <p:to>
-                                        <p:strVal val="visible"/>
-                                      </p:to>
-                                    </p:set>
-                                  </p:childTnLst>
-                                </p:cTn>
-                              </p:par>
-                            </p:childTnLst>
-                          </p:cTn>
-                        </p:par>
-                      </p:childTnLst>
-                    </p:cTn>
-                  </p:par>
-                </p:childTnLst>
-              </p:cTn>
-              <p:prevCondLst>
-                <p:cond evt="onPrev" delay="0">
-                  <p:tgtEl>
-                    <p:sldTgt/>
-                  </p:tgtEl>
-                </p:cond>
-              </p:prevCondLst>
-              <p:nextCondLst>
-                <p:cond evt="onNext" delay="0">
-                  <p:tgtEl>
-                    <p:sldTgt/>
-                  </p:tgtEl>
-                </p:cond>
-              </p:nextCondLst>
-            </p:seq>
-          </p:childTnLst>
-        </p:cTn>
-      </p:par>
-    </p:tnLst>
-  </p:timing>
 </p:sld>
 </file>
 
@@ -5258,7 +5558,7 @@
                   <a:schemeClr val="bg1"/>
                 </a:solidFill>
               </a:rPr>
-              <a:t>  Decoupled WordPress Sites</a:t>
+              <a:t>Expectations</a:t>
             </a:r>
           </a:p>
         </p:txBody>
@@ -5281,8 +5581,8 @@
         </p:nvSpPr>
         <p:spPr>
           <a:xfrm>
-            <a:off x="910628" y="1493655"/>
-            <a:ext cx="10515600" cy="4598278"/>
+            <a:off x="910628" y="1129860"/>
+            <a:ext cx="10515600" cy="5491113"/>
           </a:xfrm>
         </p:spPr>
         <p:txBody>
@@ -5303,7 +5603,7 @@
                 <a:latin typeface="Segoe UI" panose="020B0502040204020203" pitchFamily="34" charset="0"/>
                 <a:cs typeface="Segoe UI" panose="020B0502040204020203" pitchFamily="34" charset="0"/>
               </a:rPr>
-              <a:t>There are now many decoupled WP architectures…</a:t>
+              <a:t>I do a lot of courses so I know the challenges.</a:t>
             </a:r>
           </a:p>
           <a:p>
@@ -5317,7 +5617,7 @@
                   <a:schemeClr val="bg1"/>
                 </a:solidFill>
               </a:rPr>
-              <a:t>Most CMS cloud services have ready made WP importing of data.</a:t>
+              <a:t>View this workshop as an overview. As developers we know that some concepts take some time and effort.</a:t>
             </a:r>
             <a:endParaRPr lang="en-GB" sz="3200" dirty="0">
               <a:solidFill>
@@ -5340,7 +5640,7 @@
                 <a:latin typeface="Segoe UI" panose="020B0502040204020203" pitchFamily="34" charset="0"/>
                 <a:cs typeface="Segoe UI" panose="020B0502040204020203" pitchFamily="34" charset="0"/>
               </a:rPr>
-              <a:t>Separation between Model (data) and View (theme).</a:t>
+              <a:t>After the workshop you can use the resources to help you understand the concepts more fully.</a:t>
             </a:r>
           </a:p>
           <a:p>
@@ -5353,16 +5653,11 @@
                 <a:solidFill>
                   <a:schemeClr val="bg1"/>
                 </a:solidFill>
-              </a:rPr>
-              <a:t>They will depend on WP REST API or GraphQL, which is another type of API architecture.</a:t>
-            </a:r>
-            <a:endParaRPr lang="en-GB" sz="3200" dirty="0">
-              <a:solidFill>
-                <a:schemeClr val="bg1"/>
-              </a:solidFill>
-              <a:latin typeface="Segoe UI" panose="020B0502040204020203" pitchFamily="34" charset="0"/>
-              <a:cs typeface="Segoe UI" panose="020B0502040204020203" pitchFamily="34" charset="0"/>
-            </a:endParaRPr>
+                <a:latin typeface="Segoe UI" panose="020B0502040204020203" pitchFamily="34" charset="0"/>
+                <a:cs typeface="Segoe UI" panose="020B0502040204020203" pitchFamily="34" charset="0"/>
+              </a:rPr>
+              <a:t>All code files are available and they are well documented as well as the video series.</a:t>
+            </a:r>
           </a:p>
           <a:p>
             <a:pPr marL="914400" lvl="1" indent="-457200">
@@ -5382,7 +5677,7 @@
     </p:spTree>
     <p:extLst>
       <p:ext uri="{BB962C8B-B14F-4D97-AF65-F5344CB8AC3E}">
-        <p14:creationId xmlns:p14="http://schemas.microsoft.com/office/powerpoint/2010/main" val="735708405"/>
+        <p14:creationId xmlns:p14="http://schemas.microsoft.com/office/powerpoint/2010/main" val="2154016240"/>
       </p:ext>
     </p:extLst>
   </p:cSld>
@@ -5646,6 +5941,1065 @@
           <a:chExt cx="0" cy="0"/>
         </a:xfrm>
       </p:grpSpPr>
+      <p:sp>
+        <p:nvSpPr>
+          <p:cNvPr id="2" name="Title 1">
+            <a:extLst>
+              <a:ext uri="{FF2B5EF4-FFF2-40B4-BE49-F238E27FC236}">
+                <a16:creationId xmlns:a16="http://schemas.microsoft.com/office/drawing/2014/main" id="{81769C98-962F-4C3A-B575-99BB0A9C6763}"/>
+              </a:ext>
+            </a:extLst>
+          </p:cNvPr>
+          <p:cNvSpPr>
+            <a:spLocks noGrp="1"/>
+          </p:cNvSpPr>
+          <p:nvPr>
+            <p:ph type="title"/>
+          </p:nvPr>
+        </p:nvSpPr>
+        <p:spPr>
+          <a:xfrm>
+            <a:off x="910628" y="237026"/>
+            <a:ext cx="10515600" cy="892835"/>
+          </a:xfrm>
+        </p:spPr>
+        <p:txBody>
+          <a:bodyPr/>
+          <a:lstStyle/>
+          <a:p>
+            <a:r>
+              <a:rPr lang="en-GB" dirty="0">
+                <a:solidFill>
+                  <a:schemeClr val="bg1"/>
+                </a:solidFill>
+              </a:rPr>
+              <a:t>JavaScript, Fetch API and Promises</a:t>
+            </a:r>
+          </a:p>
+        </p:txBody>
+      </p:sp>
+      <p:sp>
+        <p:nvSpPr>
+          <p:cNvPr id="3" name="Content Placeholder 2">
+            <a:extLst>
+              <a:ext uri="{FF2B5EF4-FFF2-40B4-BE49-F238E27FC236}">
+                <a16:creationId xmlns:a16="http://schemas.microsoft.com/office/drawing/2014/main" id="{C77D8FCA-15A2-453C-BEDB-B01FF3E48151}"/>
+              </a:ext>
+            </a:extLst>
+          </p:cNvPr>
+          <p:cNvSpPr>
+            <a:spLocks noGrp="1"/>
+          </p:cNvSpPr>
+          <p:nvPr>
+            <p:ph idx="1"/>
+          </p:nvPr>
+        </p:nvSpPr>
+        <p:spPr>
+          <a:xfrm>
+            <a:off x="910628" y="1573998"/>
+            <a:ext cx="10515600" cy="4598278"/>
+          </a:xfrm>
+        </p:spPr>
+        <p:txBody>
+          <a:bodyPr>
+            <a:noAutofit/>
+          </a:bodyPr>
+          <a:lstStyle/>
+          <a:p>
+            <a:pPr marL="914400" lvl="1" indent="-457200">
+              <a:buFont typeface="Arial" panose="020B0604020202020204" pitchFamily="34" charset="0"/>
+              <a:buChar char="•"/>
+            </a:pPr>
+            <a:r>
+              <a:rPr lang="en-GB" sz="3200" dirty="0">
+                <a:solidFill>
+                  <a:schemeClr val="bg1"/>
+                </a:solidFill>
+                <a:latin typeface="Segoe UI" panose="020B0502040204020203" pitchFamily="34" charset="0"/>
+                <a:cs typeface="Segoe UI" panose="020B0502040204020203" pitchFamily="34" charset="0"/>
+              </a:rPr>
+              <a:t>The good news is that there is essentially just one JavaScript code snippet that is used over and over again.</a:t>
+            </a:r>
+          </a:p>
+          <a:p>
+            <a:pPr marL="914400" lvl="1" indent="-457200">
+              <a:buFont typeface="Arial" panose="020B0604020202020204" pitchFamily="34" charset="0"/>
+              <a:buChar char="•"/>
+            </a:pPr>
+            <a:r>
+              <a:rPr lang="en-GB" sz="3200" dirty="0">
+                <a:solidFill>
+                  <a:schemeClr val="bg1"/>
+                </a:solidFill>
+              </a:rPr>
+              <a:t>However, it does involve some concepts that may be new to you.</a:t>
+            </a:r>
+          </a:p>
+          <a:p>
+            <a:pPr marL="914400" lvl="1" indent="-457200">
+              <a:buFont typeface="Arial" panose="020B0604020202020204" pitchFamily="34" charset="0"/>
+              <a:buChar char="•"/>
+            </a:pPr>
+            <a:r>
+              <a:rPr lang="en-GB" sz="3200" dirty="0">
+                <a:solidFill>
+                  <a:schemeClr val="bg1"/>
+                </a:solidFill>
+              </a:rPr>
+              <a:t>Remember, this is an overview to show you how all the parts fit together.</a:t>
+            </a:r>
+          </a:p>
+          <a:p>
+            <a:pPr marL="914400" lvl="1" indent="-457200">
+              <a:buFont typeface="Arial" panose="020B0604020202020204" pitchFamily="34" charset="0"/>
+              <a:buChar char="•"/>
+            </a:pPr>
+            <a:endParaRPr lang="en-GB" sz="3200" dirty="0">
+              <a:solidFill>
+                <a:schemeClr val="bg1"/>
+              </a:solidFill>
+            </a:endParaRPr>
+          </a:p>
+          <a:p>
+            <a:pPr marL="914400" lvl="1" indent="-457200">
+              <a:buFont typeface="Arial" panose="020B0604020202020204" pitchFamily="34" charset="0"/>
+              <a:buChar char="•"/>
+            </a:pPr>
+            <a:endParaRPr lang="en-GB" sz="3200" dirty="0">
+              <a:solidFill>
+                <a:schemeClr val="bg1"/>
+              </a:solidFill>
+              <a:latin typeface="Segoe UI" panose="020B0502040204020203" pitchFamily="34" charset="0"/>
+              <a:cs typeface="Segoe UI" panose="020B0502040204020203" pitchFamily="34" charset="0"/>
+            </a:endParaRPr>
+          </a:p>
+        </p:txBody>
+      </p:sp>
+    </p:spTree>
+    <p:extLst>
+      <p:ext uri="{BB962C8B-B14F-4D97-AF65-F5344CB8AC3E}">
+        <p14:creationId xmlns:p14="http://schemas.microsoft.com/office/powerpoint/2010/main" val="2016784523"/>
+      </p:ext>
+    </p:extLst>
+  </p:cSld>
+  <p:clrMapOvr>
+    <a:masterClrMapping/>
+  </p:clrMapOvr>
+  <p:timing>
+    <p:tnLst>
+      <p:par>
+        <p:cTn id="1" dur="indefinite" restart="never" nodeType="tmRoot">
+          <p:childTnLst>
+            <p:seq concurrent="1" nextAc="seek">
+              <p:cTn id="2" dur="indefinite" nodeType="mainSeq">
+                <p:childTnLst>
+                  <p:par>
+                    <p:cTn id="3" fill="hold">
+                      <p:stCondLst>
+                        <p:cond delay="indefinite"/>
+                      </p:stCondLst>
+                      <p:childTnLst>
+                        <p:par>
+                          <p:cTn id="4" fill="hold">
+                            <p:stCondLst>
+                              <p:cond delay="0"/>
+                            </p:stCondLst>
+                            <p:childTnLst>
+                              <p:par>
+                                <p:cTn id="5" presetID="1" presetClass="entr" presetSubtype="0" fill="hold" nodeType="clickEffect">
+                                  <p:stCondLst>
+                                    <p:cond delay="0"/>
+                                  </p:stCondLst>
+                                  <p:childTnLst>
+                                    <p:set>
+                                      <p:cBhvr>
+                                        <p:cTn id="6" dur="1" fill="hold">
+                                          <p:stCondLst>
+                                            <p:cond delay="0"/>
+                                          </p:stCondLst>
+                                        </p:cTn>
+                                        <p:tgtEl>
+                                          <p:spTgt spid="3">
+                                            <p:txEl>
+                                              <p:pRg st="0" end="0"/>
+                                            </p:txEl>
+                                          </p:spTgt>
+                                        </p:tgtEl>
+                                        <p:attrNameLst>
+                                          <p:attrName>style.visibility</p:attrName>
+                                        </p:attrNameLst>
+                                      </p:cBhvr>
+                                      <p:to>
+                                        <p:strVal val="visible"/>
+                                      </p:to>
+                                    </p:set>
+                                  </p:childTnLst>
+                                </p:cTn>
+                              </p:par>
+                            </p:childTnLst>
+                          </p:cTn>
+                        </p:par>
+                      </p:childTnLst>
+                    </p:cTn>
+                  </p:par>
+                  <p:par>
+                    <p:cTn id="7" fill="hold">
+                      <p:stCondLst>
+                        <p:cond delay="indefinite"/>
+                      </p:stCondLst>
+                      <p:childTnLst>
+                        <p:par>
+                          <p:cTn id="8" fill="hold">
+                            <p:stCondLst>
+                              <p:cond delay="0"/>
+                            </p:stCondLst>
+                            <p:childTnLst>
+                              <p:par>
+                                <p:cTn id="9" presetID="1" presetClass="entr" presetSubtype="0" fill="hold" nodeType="clickEffect">
+                                  <p:stCondLst>
+                                    <p:cond delay="0"/>
+                                  </p:stCondLst>
+                                  <p:childTnLst>
+                                    <p:set>
+                                      <p:cBhvr>
+                                        <p:cTn id="10" dur="1" fill="hold">
+                                          <p:stCondLst>
+                                            <p:cond delay="0"/>
+                                          </p:stCondLst>
+                                        </p:cTn>
+                                        <p:tgtEl>
+                                          <p:spTgt spid="3">
+                                            <p:txEl>
+                                              <p:pRg st="1" end="1"/>
+                                            </p:txEl>
+                                          </p:spTgt>
+                                        </p:tgtEl>
+                                        <p:attrNameLst>
+                                          <p:attrName>style.visibility</p:attrName>
+                                        </p:attrNameLst>
+                                      </p:cBhvr>
+                                      <p:to>
+                                        <p:strVal val="visible"/>
+                                      </p:to>
+                                    </p:set>
+                                  </p:childTnLst>
+                                </p:cTn>
+                              </p:par>
+                            </p:childTnLst>
+                          </p:cTn>
+                        </p:par>
+                      </p:childTnLst>
+                    </p:cTn>
+                  </p:par>
+                  <p:par>
+                    <p:cTn id="11" fill="hold">
+                      <p:stCondLst>
+                        <p:cond delay="indefinite"/>
+                      </p:stCondLst>
+                      <p:childTnLst>
+                        <p:par>
+                          <p:cTn id="12" fill="hold">
+                            <p:stCondLst>
+                              <p:cond delay="0"/>
+                            </p:stCondLst>
+                            <p:childTnLst>
+                              <p:par>
+                                <p:cTn id="13" presetID="1" presetClass="entr" presetSubtype="0" fill="hold" nodeType="clickEffect">
+                                  <p:stCondLst>
+                                    <p:cond delay="0"/>
+                                  </p:stCondLst>
+                                  <p:childTnLst>
+                                    <p:set>
+                                      <p:cBhvr>
+                                        <p:cTn id="14" dur="1" fill="hold">
+                                          <p:stCondLst>
+                                            <p:cond delay="0"/>
+                                          </p:stCondLst>
+                                        </p:cTn>
+                                        <p:tgtEl>
+                                          <p:spTgt spid="3">
+                                            <p:txEl>
+                                              <p:pRg st="2" end="2"/>
+                                            </p:txEl>
+                                          </p:spTgt>
+                                        </p:tgtEl>
+                                        <p:attrNameLst>
+                                          <p:attrName>style.visibility</p:attrName>
+                                        </p:attrNameLst>
+                                      </p:cBhvr>
+                                      <p:to>
+                                        <p:strVal val="visible"/>
+                                      </p:to>
+                                    </p:set>
+                                  </p:childTnLst>
+                                </p:cTn>
+                              </p:par>
+                            </p:childTnLst>
+                          </p:cTn>
+                        </p:par>
+                      </p:childTnLst>
+                    </p:cTn>
+                  </p:par>
+                </p:childTnLst>
+              </p:cTn>
+              <p:prevCondLst>
+                <p:cond evt="onPrev" delay="0">
+                  <p:tgtEl>
+                    <p:sldTgt/>
+                  </p:tgtEl>
+                </p:cond>
+              </p:prevCondLst>
+              <p:nextCondLst>
+                <p:cond evt="onNext" delay="0">
+                  <p:tgtEl>
+                    <p:sldTgt/>
+                  </p:tgtEl>
+                </p:cond>
+              </p:nextCondLst>
+            </p:seq>
+          </p:childTnLst>
+        </p:cTn>
+      </p:par>
+    </p:tnLst>
+  </p:timing>
+</p:sld>
+</file>
+
+<file path=ppt/slides/slide6.xml><?xml version="1.0" encoding="utf-8"?>
+<p:sld xmlns:a="http://schemas.openxmlformats.org/drawingml/2006/main" xmlns:r="http://schemas.openxmlformats.org/officeDocument/2006/relationships" xmlns:p="http://schemas.openxmlformats.org/presentationml/2006/main">
+  <p:cSld>
+    <p:bg>
+      <p:bgPr>
+        <a:solidFill>
+          <a:schemeClr val="tx1">
+            <a:lumMod val="65000"/>
+            <a:lumOff val="35000"/>
+          </a:schemeClr>
+        </a:solidFill>
+        <a:effectLst/>
+      </p:bgPr>
+    </p:bg>
+    <p:spTree>
+      <p:nvGrpSpPr>
+        <p:cNvPr id="1" name=""/>
+        <p:cNvGrpSpPr/>
+        <p:nvPr/>
+      </p:nvGrpSpPr>
+      <p:grpSpPr>
+        <a:xfrm>
+          <a:off x="0" y="0"/>
+          <a:ext cx="0" cy="0"/>
+          <a:chOff x="0" y="0"/>
+          <a:chExt cx="0" cy="0"/>
+        </a:xfrm>
+      </p:grpSpPr>
+      <p:sp>
+        <p:nvSpPr>
+          <p:cNvPr id="2" name="Title 1">
+            <a:extLst>
+              <a:ext uri="{FF2B5EF4-FFF2-40B4-BE49-F238E27FC236}">
+                <a16:creationId xmlns:a16="http://schemas.microsoft.com/office/drawing/2014/main" id="{81769C98-962F-4C3A-B575-99BB0A9C6763}"/>
+              </a:ext>
+            </a:extLst>
+          </p:cNvPr>
+          <p:cNvSpPr>
+            <a:spLocks noGrp="1"/>
+          </p:cNvSpPr>
+          <p:nvPr>
+            <p:ph type="title"/>
+          </p:nvPr>
+        </p:nvSpPr>
+        <p:spPr>
+          <a:xfrm>
+            <a:off x="910628" y="237026"/>
+            <a:ext cx="10515600" cy="892835"/>
+          </a:xfrm>
+        </p:spPr>
+        <p:txBody>
+          <a:bodyPr/>
+          <a:lstStyle/>
+          <a:p>
+            <a:r>
+              <a:rPr lang="en-GB" dirty="0">
+                <a:solidFill>
+                  <a:schemeClr val="bg1"/>
+                </a:solidFill>
+              </a:rPr>
+              <a:t>JavaScript, Fetch API and Promises</a:t>
+            </a:r>
+          </a:p>
+        </p:txBody>
+      </p:sp>
+      <p:sp>
+        <p:nvSpPr>
+          <p:cNvPr id="3" name="Content Placeholder 2">
+            <a:extLst>
+              <a:ext uri="{FF2B5EF4-FFF2-40B4-BE49-F238E27FC236}">
+                <a16:creationId xmlns:a16="http://schemas.microsoft.com/office/drawing/2014/main" id="{C77D8FCA-15A2-453C-BEDB-B01FF3E48151}"/>
+              </a:ext>
+            </a:extLst>
+          </p:cNvPr>
+          <p:cNvSpPr>
+            <a:spLocks noGrp="1"/>
+          </p:cNvSpPr>
+          <p:nvPr>
+            <p:ph idx="1"/>
+          </p:nvPr>
+        </p:nvSpPr>
+        <p:spPr>
+          <a:xfrm>
+            <a:off x="910628" y="1573998"/>
+            <a:ext cx="10515600" cy="4598278"/>
+          </a:xfrm>
+        </p:spPr>
+        <p:txBody>
+          <a:bodyPr>
+            <a:noAutofit/>
+          </a:bodyPr>
+          <a:lstStyle/>
+          <a:p>
+            <a:pPr marL="914400" lvl="1" indent="-457200">
+              <a:buFont typeface="Arial" panose="020B0604020202020204" pitchFamily="34" charset="0"/>
+              <a:buChar char="•"/>
+            </a:pPr>
+            <a:r>
+              <a:rPr lang="en-GB" sz="3200" dirty="0">
+                <a:solidFill>
+                  <a:schemeClr val="bg1"/>
+                </a:solidFill>
+              </a:rPr>
+              <a:t>The videos supplied and recommended will enable you to spend the necessary time to understand these more fully.</a:t>
+            </a:r>
+          </a:p>
+          <a:p>
+            <a:pPr marL="914400" lvl="1" indent="-457200">
+              <a:buFont typeface="Arial" panose="020B0604020202020204" pitchFamily="34" charset="0"/>
+              <a:buChar char="•"/>
+            </a:pPr>
+            <a:r>
+              <a:rPr lang="en-GB" sz="3200" dirty="0">
+                <a:solidFill>
+                  <a:schemeClr val="bg1"/>
+                </a:solidFill>
+              </a:rPr>
+              <a:t>Nonetheless, you can implement the code snippets without much understanding…I did!</a:t>
+            </a:r>
+          </a:p>
+          <a:p>
+            <a:pPr marL="914400" lvl="1" indent="-457200">
+              <a:buFont typeface="Arial" panose="020B0604020202020204" pitchFamily="34" charset="0"/>
+              <a:buChar char="•"/>
+            </a:pPr>
+            <a:endParaRPr lang="en-GB" sz="3200" dirty="0">
+              <a:solidFill>
+                <a:schemeClr val="bg1"/>
+              </a:solidFill>
+            </a:endParaRPr>
+          </a:p>
+          <a:p>
+            <a:pPr marL="914400" lvl="1" indent="-457200">
+              <a:buFont typeface="Arial" panose="020B0604020202020204" pitchFamily="34" charset="0"/>
+              <a:buChar char="•"/>
+            </a:pPr>
+            <a:endParaRPr lang="en-GB" sz="3200" dirty="0">
+              <a:solidFill>
+                <a:schemeClr val="bg1"/>
+              </a:solidFill>
+              <a:latin typeface="Segoe UI" panose="020B0502040204020203" pitchFamily="34" charset="0"/>
+              <a:cs typeface="Segoe UI" panose="020B0502040204020203" pitchFamily="34" charset="0"/>
+            </a:endParaRPr>
+          </a:p>
+        </p:txBody>
+      </p:sp>
+    </p:spTree>
+    <p:extLst>
+      <p:ext uri="{BB962C8B-B14F-4D97-AF65-F5344CB8AC3E}">
+        <p14:creationId xmlns:p14="http://schemas.microsoft.com/office/powerpoint/2010/main" val="1223072096"/>
+      </p:ext>
+    </p:extLst>
+  </p:cSld>
+  <p:clrMapOvr>
+    <a:masterClrMapping/>
+  </p:clrMapOvr>
+  <p:timing>
+    <p:tnLst>
+      <p:par>
+        <p:cTn id="1" dur="indefinite" restart="never" nodeType="tmRoot">
+          <p:childTnLst>
+            <p:seq concurrent="1" nextAc="seek">
+              <p:cTn id="2" dur="indefinite" nodeType="mainSeq">
+                <p:childTnLst>
+                  <p:par>
+                    <p:cTn id="3" fill="hold">
+                      <p:stCondLst>
+                        <p:cond delay="indefinite"/>
+                      </p:stCondLst>
+                      <p:childTnLst>
+                        <p:par>
+                          <p:cTn id="4" fill="hold">
+                            <p:stCondLst>
+                              <p:cond delay="0"/>
+                            </p:stCondLst>
+                            <p:childTnLst>
+                              <p:par>
+                                <p:cTn id="5" presetID="1" presetClass="entr" presetSubtype="0" fill="hold" nodeType="clickEffect">
+                                  <p:stCondLst>
+                                    <p:cond delay="0"/>
+                                  </p:stCondLst>
+                                  <p:childTnLst>
+                                    <p:set>
+                                      <p:cBhvr>
+                                        <p:cTn id="6" dur="1" fill="hold">
+                                          <p:stCondLst>
+                                            <p:cond delay="0"/>
+                                          </p:stCondLst>
+                                        </p:cTn>
+                                        <p:tgtEl>
+                                          <p:spTgt spid="3">
+                                            <p:txEl>
+                                              <p:pRg st="0" end="0"/>
+                                            </p:txEl>
+                                          </p:spTgt>
+                                        </p:tgtEl>
+                                        <p:attrNameLst>
+                                          <p:attrName>style.visibility</p:attrName>
+                                        </p:attrNameLst>
+                                      </p:cBhvr>
+                                      <p:to>
+                                        <p:strVal val="visible"/>
+                                      </p:to>
+                                    </p:set>
+                                  </p:childTnLst>
+                                </p:cTn>
+                              </p:par>
+                            </p:childTnLst>
+                          </p:cTn>
+                        </p:par>
+                      </p:childTnLst>
+                    </p:cTn>
+                  </p:par>
+                  <p:par>
+                    <p:cTn id="7" fill="hold">
+                      <p:stCondLst>
+                        <p:cond delay="indefinite"/>
+                      </p:stCondLst>
+                      <p:childTnLst>
+                        <p:par>
+                          <p:cTn id="8" fill="hold">
+                            <p:stCondLst>
+                              <p:cond delay="0"/>
+                            </p:stCondLst>
+                            <p:childTnLst>
+                              <p:par>
+                                <p:cTn id="9" presetID="1" presetClass="entr" presetSubtype="0" fill="hold" nodeType="clickEffect">
+                                  <p:stCondLst>
+                                    <p:cond delay="0"/>
+                                  </p:stCondLst>
+                                  <p:childTnLst>
+                                    <p:set>
+                                      <p:cBhvr>
+                                        <p:cTn id="10" dur="1" fill="hold">
+                                          <p:stCondLst>
+                                            <p:cond delay="0"/>
+                                          </p:stCondLst>
+                                        </p:cTn>
+                                        <p:tgtEl>
+                                          <p:spTgt spid="3">
+                                            <p:txEl>
+                                              <p:pRg st="1" end="1"/>
+                                            </p:txEl>
+                                          </p:spTgt>
+                                        </p:tgtEl>
+                                        <p:attrNameLst>
+                                          <p:attrName>style.visibility</p:attrName>
+                                        </p:attrNameLst>
+                                      </p:cBhvr>
+                                      <p:to>
+                                        <p:strVal val="visible"/>
+                                      </p:to>
+                                    </p:set>
+                                  </p:childTnLst>
+                                </p:cTn>
+                              </p:par>
+                            </p:childTnLst>
+                          </p:cTn>
+                        </p:par>
+                      </p:childTnLst>
+                    </p:cTn>
+                  </p:par>
+                </p:childTnLst>
+              </p:cTn>
+              <p:prevCondLst>
+                <p:cond evt="onPrev" delay="0">
+                  <p:tgtEl>
+                    <p:sldTgt/>
+                  </p:tgtEl>
+                </p:cond>
+              </p:prevCondLst>
+              <p:nextCondLst>
+                <p:cond evt="onNext" delay="0">
+                  <p:tgtEl>
+                    <p:sldTgt/>
+                  </p:tgtEl>
+                </p:cond>
+              </p:nextCondLst>
+            </p:seq>
+          </p:childTnLst>
+        </p:cTn>
+      </p:par>
+    </p:tnLst>
+  </p:timing>
+</p:sld>
+</file>
+
+<file path=ppt/slides/slide7.xml><?xml version="1.0" encoding="utf-8"?>
+<p:sld xmlns:a="http://schemas.openxmlformats.org/drawingml/2006/main" xmlns:r="http://schemas.openxmlformats.org/officeDocument/2006/relationships" xmlns:p="http://schemas.openxmlformats.org/presentationml/2006/main">
+  <p:cSld>
+    <p:bg>
+      <p:bgPr>
+        <a:solidFill>
+          <a:schemeClr val="tx1">
+            <a:lumMod val="65000"/>
+            <a:lumOff val="35000"/>
+          </a:schemeClr>
+        </a:solidFill>
+        <a:effectLst/>
+      </p:bgPr>
+    </p:bg>
+    <p:spTree>
+      <p:nvGrpSpPr>
+        <p:cNvPr id="1" name=""/>
+        <p:cNvGrpSpPr/>
+        <p:nvPr/>
+      </p:nvGrpSpPr>
+      <p:grpSpPr>
+        <a:xfrm>
+          <a:off x="0" y="0"/>
+          <a:ext cx="0" cy="0"/>
+          <a:chOff x="0" y="0"/>
+          <a:chExt cx="0" cy="0"/>
+        </a:xfrm>
+      </p:grpSpPr>
+      <p:sp>
+        <p:nvSpPr>
+          <p:cNvPr id="2" name="Title 1">
+            <a:extLst>
+              <a:ext uri="{FF2B5EF4-FFF2-40B4-BE49-F238E27FC236}">
+                <a16:creationId xmlns:a16="http://schemas.microsoft.com/office/drawing/2014/main" id="{81769C98-962F-4C3A-B575-99BB0A9C6763}"/>
+              </a:ext>
+            </a:extLst>
+          </p:cNvPr>
+          <p:cNvSpPr>
+            <a:spLocks noGrp="1"/>
+          </p:cNvSpPr>
+          <p:nvPr>
+            <p:ph type="title"/>
+          </p:nvPr>
+        </p:nvSpPr>
+        <p:spPr>
+          <a:xfrm>
+            <a:off x="910628" y="237026"/>
+            <a:ext cx="10515600" cy="892835"/>
+          </a:xfrm>
+        </p:spPr>
+        <p:txBody>
+          <a:bodyPr/>
+          <a:lstStyle/>
+          <a:p>
+            <a:r>
+              <a:rPr lang="en-GB" dirty="0">
+                <a:solidFill>
+                  <a:schemeClr val="bg1"/>
+                </a:solidFill>
+              </a:rPr>
+              <a:t>  Decoupled WordPress Sites</a:t>
+            </a:r>
+          </a:p>
+        </p:txBody>
+      </p:sp>
+      <p:sp>
+        <p:nvSpPr>
+          <p:cNvPr id="3" name="Content Placeholder 2">
+            <a:extLst>
+              <a:ext uri="{FF2B5EF4-FFF2-40B4-BE49-F238E27FC236}">
+                <a16:creationId xmlns:a16="http://schemas.microsoft.com/office/drawing/2014/main" id="{C77D8FCA-15A2-453C-BEDB-B01FF3E48151}"/>
+              </a:ext>
+            </a:extLst>
+          </p:cNvPr>
+          <p:cNvSpPr>
+            <a:spLocks noGrp="1"/>
+          </p:cNvSpPr>
+          <p:nvPr>
+            <p:ph idx="1"/>
+          </p:nvPr>
+        </p:nvSpPr>
+        <p:spPr>
+          <a:xfrm>
+            <a:off x="910628" y="1493655"/>
+            <a:ext cx="10515600" cy="4598278"/>
+          </a:xfrm>
+        </p:spPr>
+        <p:txBody>
+          <a:bodyPr>
+            <a:noAutofit/>
+          </a:bodyPr>
+          <a:lstStyle/>
+          <a:p>
+            <a:pPr marL="914400" lvl="1" indent="-457200">
+              <a:buFont typeface="Arial" panose="020B0604020202020204" pitchFamily="34" charset="0"/>
+              <a:buChar char="•"/>
+            </a:pPr>
+            <a:r>
+              <a:rPr lang="en-GB" sz="3200" dirty="0">
+                <a:solidFill>
+                  <a:schemeClr val="bg1"/>
+                </a:solidFill>
+                <a:latin typeface="Segoe UI" panose="020B0502040204020203" pitchFamily="34" charset="0"/>
+                <a:cs typeface="Segoe UI" panose="020B0502040204020203" pitchFamily="34" charset="0"/>
+              </a:rPr>
+              <a:t>There are now many decoupled WP architectures…</a:t>
+            </a:r>
+          </a:p>
+          <a:p>
+            <a:pPr marL="914400" lvl="1" indent="-457200">
+              <a:buFont typeface="Arial" panose="020B0604020202020204" pitchFamily="34" charset="0"/>
+              <a:buChar char="•"/>
+            </a:pPr>
+            <a:r>
+              <a:rPr lang="en-GB" sz="3200" dirty="0">
+                <a:solidFill>
+                  <a:schemeClr val="bg1"/>
+                </a:solidFill>
+              </a:rPr>
+              <a:t>Most CMS cloud services have ready made WP importing of data.</a:t>
+            </a:r>
+            <a:endParaRPr lang="en-GB" sz="3200" dirty="0">
+              <a:solidFill>
+                <a:schemeClr val="bg1"/>
+              </a:solidFill>
+              <a:latin typeface="Segoe UI" panose="020B0502040204020203" pitchFamily="34" charset="0"/>
+              <a:cs typeface="Segoe UI" panose="020B0502040204020203" pitchFamily="34" charset="0"/>
+            </a:endParaRPr>
+          </a:p>
+          <a:p>
+            <a:pPr marL="914400" lvl="1" indent="-457200">
+              <a:buFont typeface="Arial" panose="020B0604020202020204" pitchFamily="34" charset="0"/>
+              <a:buChar char="•"/>
+            </a:pPr>
+            <a:r>
+              <a:rPr lang="en-GB" sz="3200" dirty="0">
+                <a:solidFill>
+                  <a:schemeClr val="bg1"/>
+                </a:solidFill>
+                <a:latin typeface="Segoe UI" panose="020B0502040204020203" pitchFamily="34" charset="0"/>
+                <a:cs typeface="Segoe UI" panose="020B0502040204020203" pitchFamily="34" charset="0"/>
+              </a:rPr>
+              <a:t>Separation between Model (data) and View (theme).</a:t>
+            </a:r>
+          </a:p>
+          <a:p>
+            <a:pPr marL="914400" lvl="1" indent="-457200">
+              <a:buFont typeface="Arial" panose="020B0604020202020204" pitchFamily="34" charset="0"/>
+              <a:buChar char="•"/>
+            </a:pPr>
+            <a:r>
+              <a:rPr lang="en-GB" sz="3200" dirty="0">
+                <a:solidFill>
+                  <a:schemeClr val="bg1"/>
+                </a:solidFill>
+              </a:rPr>
+              <a:t>They will depend on WP REST API or GraphQL, which is another type of API architecture.</a:t>
+            </a:r>
+            <a:endParaRPr lang="en-GB" sz="3200" dirty="0">
+              <a:solidFill>
+                <a:schemeClr val="bg1"/>
+              </a:solidFill>
+              <a:latin typeface="Segoe UI" panose="020B0502040204020203" pitchFamily="34" charset="0"/>
+              <a:cs typeface="Segoe UI" panose="020B0502040204020203" pitchFamily="34" charset="0"/>
+            </a:endParaRPr>
+          </a:p>
+          <a:p>
+            <a:pPr marL="914400" lvl="1" indent="-457200">
+              <a:buFont typeface="Arial" panose="020B0604020202020204" pitchFamily="34" charset="0"/>
+              <a:buChar char="•"/>
+            </a:pPr>
+            <a:endParaRPr lang="en-GB" sz="3200" dirty="0">
+              <a:solidFill>
+                <a:schemeClr val="bg1"/>
+              </a:solidFill>
+              <a:latin typeface="Segoe UI" panose="020B0502040204020203" pitchFamily="34" charset="0"/>
+              <a:cs typeface="Segoe UI" panose="020B0502040204020203" pitchFamily="34" charset="0"/>
+            </a:endParaRPr>
+          </a:p>
+        </p:txBody>
+      </p:sp>
+    </p:spTree>
+    <p:extLst>
+      <p:ext uri="{BB962C8B-B14F-4D97-AF65-F5344CB8AC3E}">
+        <p14:creationId xmlns:p14="http://schemas.microsoft.com/office/powerpoint/2010/main" val="735708405"/>
+      </p:ext>
+    </p:extLst>
+  </p:cSld>
+  <p:clrMapOvr>
+    <a:masterClrMapping/>
+  </p:clrMapOvr>
+  <p:timing>
+    <p:tnLst>
+      <p:par>
+        <p:cTn id="1" dur="indefinite" restart="never" nodeType="tmRoot">
+          <p:childTnLst>
+            <p:seq concurrent="1" nextAc="seek">
+              <p:cTn id="2" dur="indefinite" nodeType="mainSeq">
+                <p:childTnLst>
+                  <p:par>
+                    <p:cTn id="3" fill="hold">
+                      <p:stCondLst>
+                        <p:cond delay="indefinite"/>
+                      </p:stCondLst>
+                      <p:childTnLst>
+                        <p:par>
+                          <p:cTn id="4" fill="hold">
+                            <p:stCondLst>
+                              <p:cond delay="0"/>
+                            </p:stCondLst>
+                            <p:childTnLst>
+                              <p:par>
+                                <p:cTn id="5" presetID="1" presetClass="entr" presetSubtype="0" fill="hold" nodeType="clickEffect">
+                                  <p:stCondLst>
+                                    <p:cond delay="0"/>
+                                  </p:stCondLst>
+                                  <p:childTnLst>
+                                    <p:set>
+                                      <p:cBhvr>
+                                        <p:cTn id="6" dur="1" fill="hold">
+                                          <p:stCondLst>
+                                            <p:cond delay="0"/>
+                                          </p:stCondLst>
+                                        </p:cTn>
+                                        <p:tgtEl>
+                                          <p:spTgt spid="3">
+                                            <p:txEl>
+                                              <p:pRg st="0" end="0"/>
+                                            </p:txEl>
+                                          </p:spTgt>
+                                        </p:tgtEl>
+                                        <p:attrNameLst>
+                                          <p:attrName>style.visibility</p:attrName>
+                                        </p:attrNameLst>
+                                      </p:cBhvr>
+                                      <p:to>
+                                        <p:strVal val="visible"/>
+                                      </p:to>
+                                    </p:set>
+                                  </p:childTnLst>
+                                </p:cTn>
+                              </p:par>
+                            </p:childTnLst>
+                          </p:cTn>
+                        </p:par>
+                      </p:childTnLst>
+                    </p:cTn>
+                  </p:par>
+                  <p:par>
+                    <p:cTn id="7" fill="hold">
+                      <p:stCondLst>
+                        <p:cond delay="indefinite"/>
+                      </p:stCondLst>
+                      <p:childTnLst>
+                        <p:par>
+                          <p:cTn id="8" fill="hold">
+                            <p:stCondLst>
+                              <p:cond delay="0"/>
+                            </p:stCondLst>
+                            <p:childTnLst>
+                              <p:par>
+                                <p:cTn id="9" presetID="1" presetClass="entr" presetSubtype="0" fill="hold" nodeType="clickEffect">
+                                  <p:stCondLst>
+                                    <p:cond delay="0"/>
+                                  </p:stCondLst>
+                                  <p:childTnLst>
+                                    <p:set>
+                                      <p:cBhvr>
+                                        <p:cTn id="10" dur="1" fill="hold">
+                                          <p:stCondLst>
+                                            <p:cond delay="0"/>
+                                          </p:stCondLst>
+                                        </p:cTn>
+                                        <p:tgtEl>
+                                          <p:spTgt spid="3">
+                                            <p:txEl>
+                                              <p:pRg st="1" end="1"/>
+                                            </p:txEl>
+                                          </p:spTgt>
+                                        </p:tgtEl>
+                                        <p:attrNameLst>
+                                          <p:attrName>style.visibility</p:attrName>
+                                        </p:attrNameLst>
+                                      </p:cBhvr>
+                                      <p:to>
+                                        <p:strVal val="visible"/>
+                                      </p:to>
+                                    </p:set>
+                                  </p:childTnLst>
+                                </p:cTn>
+                              </p:par>
+                            </p:childTnLst>
+                          </p:cTn>
+                        </p:par>
+                      </p:childTnLst>
+                    </p:cTn>
+                  </p:par>
+                  <p:par>
+                    <p:cTn id="11" fill="hold">
+                      <p:stCondLst>
+                        <p:cond delay="indefinite"/>
+                      </p:stCondLst>
+                      <p:childTnLst>
+                        <p:par>
+                          <p:cTn id="12" fill="hold">
+                            <p:stCondLst>
+                              <p:cond delay="0"/>
+                            </p:stCondLst>
+                            <p:childTnLst>
+                              <p:par>
+                                <p:cTn id="13" presetID="1" presetClass="entr" presetSubtype="0" fill="hold" nodeType="clickEffect">
+                                  <p:stCondLst>
+                                    <p:cond delay="0"/>
+                                  </p:stCondLst>
+                                  <p:childTnLst>
+                                    <p:set>
+                                      <p:cBhvr>
+                                        <p:cTn id="14" dur="1" fill="hold">
+                                          <p:stCondLst>
+                                            <p:cond delay="0"/>
+                                          </p:stCondLst>
+                                        </p:cTn>
+                                        <p:tgtEl>
+                                          <p:spTgt spid="3">
+                                            <p:txEl>
+                                              <p:pRg st="2" end="2"/>
+                                            </p:txEl>
+                                          </p:spTgt>
+                                        </p:tgtEl>
+                                        <p:attrNameLst>
+                                          <p:attrName>style.visibility</p:attrName>
+                                        </p:attrNameLst>
+                                      </p:cBhvr>
+                                      <p:to>
+                                        <p:strVal val="visible"/>
+                                      </p:to>
+                                    </p:set>
+                                  </p:childTnLst>
+                                </p:cTn>
+                              </p:par>
+                            </p:childTnLst>
+                          </p:cTn>
+                        </p:par>
+                      </p:childTnLst>
+                    </p:cTn>
+                  </p:par>
+                  <p:par>
+                    <p:cTn id="15" fill="hold">
+                      <p:stCondLst>
+                        <p:cond delay="indefinite"/>
+                      </p:stCondLst>
+                      <p:childTnLst>
+                        <p:par>
+                          <p:cTn id="16" fill="hold">
+                            <p:stCondLst>
+                              <p:cond delay="0"/>
+                            </p:stCondLst>
+                            <p:childTnLst>
+                              <p:par>
+                                <p:cTn id="17" presetID="1" presetClass="entr" presetSubtype="0" fill="hold" nodeType="clickEffect">
+                                  <p:stCondLst>
+                                    <p:cond delay="0"/>
+                                  </p:stCondLst>
+                                  <p:childTnLst>
+                                    <p:set>
+                                      <p:cBhvr>
+                                        <p:cTn id="18" dur="1" fill="hold">
+                                          <p:stCondLst>
+                                            <p:cond delay="0"/>
+                                          </p:stCondLst>
+                                        </p:cTn>
+                                        <p:tgtEl>
+                                          <p:spTgt spid="3">
+                                            <p:txEl>
+                                              <p:pRg st="3" end="3"/>
+                                            </p:txEl>
+                                          </p:spTgt>
+                                        </p:tgtEl>
+                                        <p:attrNameLst>
+                                          <p:attrName>style.visibility</p:attrName>
+                                        </p:attrNameLst>
+                                      </p:cBhvr>
+                                      <p:to>
+                                        <p:strVal val="visible"/>
+                                      </p:to>
+                                    </p:set>
+                                  </p:childTnLst>
+                                </p:cTn>
+                              </p:par>
+                            </p:childTnLst>
+                          </p:cTn>
+                        </p:par>
+                      </p:childTnLst>
+                    </p:cTn>
+                  </p:par>
+                </p:childTnLst>
+              </p:cTn>
+              <p:prevCondLst>
+                <p:cond evt="onPrev" delay="0">
+                  <p:tgtEl>
+                    <p:sldTgt/>
+                  </p:tgtEl>
+                </p:cond>
+              </p:prevCondLst>
+              <p:nextCondLst>
+                <p:cond evt="onNext" delay="0">
+                  <p:tgtEl>
+                    <p:sldTgt/>
+                  </p:tgtEl>
+                </p:cond>
+              </p:nextCondLst>
+            </p:seq>
+          </p:childTnLst>
+        </p:cTn>
+      </p:par>
+    </p:tnLst>
+  </p:timing>
+</p:sld>
+</file>
+
+<file path=ppt/slides/slide8.xml><?xml version="1.0" encoding="utf-8"?>
+<p:sld xmlns:a="http://schemas.openxmlformats.org/drawingml/2006/main" xmlns:r="http://schemas.openxmlformats.org/officeDocument/2006/relationships" xmlns:p="http://schemas.openxmlformats.org/presentationml/2006/main">
+  <p:cSld>
+    <p:bg>
+      <p:bgPr>
+        <a:solidFill>
+          <a:schemeClr val="tx1">
+            <a:lumMod val="65000"/>
+            <a:lumOff val="35000"/>
+          </a:schemeClr>
+        </a:solidFill>
+        <a:effectLst/>
+      </p:bgPr>
+    </p:bg>
+    <p:spTree>
+      <p:nvGrpSpPr>
+        <p:cNvPr id="1" name=""/>
+        <p:cNvGrpSpPr/>
+        <p:nvPr/>
+      </p:nvGrpSpPr>
+      <p:grpSpPr>
+        <a:xfrm>
+          <a:off x="0" y="0"/>
+          <a:ext cx="0" cy="0"/>
+          <a:chOff x="0" y="0"/>
+          <a:chExt cx="0" cy="0"/>
+        </a:xfrm>
+      </p:grpSpPr>
       <p:pic>
         <p:nvPicPr>
           <p:cNvPr id="16" name="Picture 15" descr="A close up of a typewriter&#10;&#10;Description automatically generated">
@@ -6429,599 +7783,6 @@
 </p:sld>
 </file>
 
-<file path=ppt/slides/slide6.xml><?xml version="1.0" encoding="utf-8"?>
-<p:sld xmlns:a="http://schemas.openxmlformats.org/drawingml/2006/main" xmlns:r="http://schemas.openxmlformats.org/officeDocument/2006/relationships" xmlns:p="http://schemas.openxmlformats.org/presentationml/2006/main">
-  <p:cSld>
-    <p:spTree>
-      <p:nvGrpSpPr>
-        <p:cNvPr id="1" name=""/>
-        <p:cNvGrpSpPr/>
-        <p:nvPr/>
-      </p:nvGrpSpPr>
-      <p:grpSpPr>
-        <a:xfrm>
-          <a:off x="0" y="0"/>
-          <a:ext cx="0" cy="0"/>
-          <a:chOff x="0" y="0"/>
-          <a:chExt cx="0" cy="0"/>
-        </a:xfrm>
-      </p:grpSpPr>
-      <p:sp>
-        <p:nvSpPr>
-          <p:cNvPr id="2" name="Title 1">
-            <a:extLst>
-              <a:ext uri="{FF2B5EF4-FFF2-40B4-BE49-F238E27FC236}">
-                <a16:creationId xmlns:a16="http://schemas.microsoft.com/office/drawing/2014/main" id="{81769C98-962F-4C3A-B575-99BB0A9C6763}"/>
-              </a:ext>
-            </a:extLst>
-          </p:cNvPr>
-          <p:cNvSpPr>
-            <a:spLocks noGrp="1"/>
-          </p:cNvSpPr>
-          <p:nvPr>
-            <p:ph type="title"/>
-          </p:nvPr>
-        </p:nvSpPr>
-        <p:spPr>
-          <a:xfrm>
-            <a:off x="910628" y="323943"/>
-            <a:ext cx="10515600" cy="892835"/>
-          </a:xfrm>
-        </p:spPr>
-        <p:txBody>
-          <a:bodyPr/>
-          <a:lstStyle/>
-          <a:p>
-            <a:r>
-              <a:rPr lang="en-GB" dirty="0">
-                <a:solidFill>
-                  <a:schemeClr val="bg1"/>
-                </a:solidFill>
-              </a:rPr>
-              <a:t>WordPress REST API</a:t>
-            </a:r>
-          </a:p>
-        </p:txBody>
-      </p:sp>
-      <p:sp>
-        <p:nvSpPr>
-          <p:cNvPr id="3" name="Content Placeholder 2">
-            <a:extLst>
-              <a:ext uri="{FF2B5EF4-FFF2-40B4-BE49-F238E27FC236}">
-                <a16:creationId xmlns:a16="http://schemas.microsoft.com/office/drawing/2014/main" id="{C77D8FCA-15A2-453C-BEDB-B01FF3E48151}"/>
-              </a:ext>
-            </a:extLst>
-          </p:cNvPr>
-          <p:cNvSpPr>
-            <a:spLocks noGrp="1"/>
-          </p:cNvSpPr>
-          <p:nvPr>
-            <p:ph idx="1"/>
-          </p:nvPr>
-        </p:nvSpPr>
-        <p:spPr>
-          <a:xfrm>
-            <a:off x="910628" y="1348300"/>
-            <a:ext cx="10515600" cy="5185757"/>
-          </a:xfrm>
-        </p:spPr>
-        <p:txBody>
-          <a:bodyPr>
-            <a:noAutofit/>
-          </a:bodyPr>
-          <a:lstStyle/>
-          <a:p>
-            <a:pPr marL="914400" lvl="1" indent="-457200">
-              <a:buFont typeface="Arial" panose="020B0604020202020204" pitchFamily="34" charset="0"/>
-              <a:buChar char="•"/>
-            </a:pPr>
-            <a:r>
-              <a:rPr lang="en-GB" sz="3200" dirty="0">
-                <a:solidFill>
-                  <a:schemeClr val="bg1"/>
-                </a:solidFill>
-              </a:rPr>
-              <a:t>What is REST?</a:t>
-            </a:r>
-          </a:p>
-          <a:p>
-            <a:pPr marL="914400" lvl="1" indent="-457200">
-              <a:buFont typeface="Arial" panose="020B0604020202020204" pitchFamily="34" charset="0"/>
-              <a:buChar char="•"/>
-            </a:pPr>
-            <a:r>
-              <a:rPr lang="en-GB" sz="3200" dirty="0">
-                <a:solidFill>
-                  <a:schemeClr val="bg1"/>
-                </a:solidFill>
-              </a:rPr>
-              <a:t>This was formulated by Roy Fielding for his thesis in 2000.</a:t>
-            </a:r>
-          </a:p>
-          <a:p>
-            <a:pPr marL="914400" lvl="1" indent="-457200">
-              <a:buFont typeface="Arial" panose="020B0604020202020204" pitchFamily="34" charset="0"/>
-              <a:buChar char="•"/>
-            </a:pPr>
-            <a:r>
-              <a:rPr lang="en-GB" sz="3200" dirty="0">
-                <a:solidFill>
-                  <a:schemeClr val="bg1"/>
-                </a:solidFill>
-              </a:rPr>
-              <a:t>An architectural style not a protocol.</a:t>
-            </a:r>
-          </a:p>
-          <a:p>
-            <a:pPr marL="914400" lvl="1" indent="-457200">
-              <a:buFont typeface="Arial" panose="020B0604020202020204" pitchFamily="34" charset="0"/>
-              <a:buChar char="•"/>
-            </a:pPr>
-            <a:r>
-              <a:rPr lang="en-GB" sz="3200" dirty="0">
-                <a:solidFill>
-                  <a:schemeClr val="bg1"/>
-                </a:solidFill>
-              </a:rPr>
-              <a:t>HTTP by its nature is implicitly RESTful.</a:t>
-            </a:r>
-          </a:p>
-          <a:p>
-            <a:pPr marL="914400" lvl="1" indent="-457200">
-              <a:buFont typeface="Arial" panose="020B0604020202020204" pitchFamily="34" charset="0"/>
-              <a:buChar char="•"/>
-            </a:pPr>
-            <a:r>
-              <a:rPr lang="en-GB" sz="3200" dirty="0">
-                <a:solidFill>
-                  <a:schemeClr val="bg1"/>
-                </a:solidFill>
-                <a:hlinkClick r:id="rId2">
-                  <a:extLst>
-                    <a:ext uri="{A12FA001-AC4F-418D-AE19-62706E023703}">
-                      <ahyp:hlinkClr xmlns:ahyp="http://schemas.microsoft.com/office/drawing/2018/hyperlinkcolor" val="tx"/>
-                    </a:ext>
-                  </a:extLst>
-                </a:hlinkClick>
-              </a:rPr>
-              <a:t>https://www.ics.uci.edu/~fielding/pubs/dissertation/rest_arch_style.htm</a:t>
-            </a:r>
-            <a:endParaRPr lang="en-GB" sz="3200" dirty="0">
-              <a:solidFill>
-                <a:schemeClr val="bg1"/>
-              </a:solidFill>
-            </a:endParaRPr>
-          </a:p>
-          <a:p>
-            <a:endParaRPr lang="en-GB" dirty="0"/>
-          </a:p>
-        </p:txBody>
-      </p:sp>
-    </p:spTree>
-    <p:extLst>
-      <p:ext uri="{BB962C8B-B14F-4D97-AF65-F5344CB8AC3E}">
-        <p14:creationId xmlns:p14="http://schemas.microsoft.com/office/powerpoint/2010/main" val="698649124"/>
-      </p:ext>
-    </p:extLst>
-  </p:cSld>
-  <p:clrMapOvr>
-    <a:masterClrMapping/>
-  </p:clrMapOvr>
-</p:sld>
-</file>
-
-<file path=ppt/slides/slide7.xml><?xml version="1.0" encoding="utf-8"?>
-<p:sld xmlns:a="http://schemas.openxmlformats.org/drawingml/2006/main" xmlns:r="http://schemas.openxmlformats.org/officeDocument/2006/relationships" xmlns:p="http://schemas.openxmlformats.org/presentationml/2006/main">
-  <p:cSld>
-    <p:spTree>
-      <p:nvGrpSpPr>
-        <p:cNvPr id="1" name=""/>
-        <p:cNvGrpSpPr/>
-        <p:nvPr/>
-      </p:nvGrpSpPr>
-      <p:grpSpPr>
-        <a:xfrm>
-          <a:off x="0" y="0"/>
-          <a:ext cx="0" cy="0"/>
-          <a:chOff x="0" y="0"/>
-          <a:chExt cx="0" cy="0"/>
-        </a:xfrm>
-      </p:grpSpPr>
-      <p:sp>
-        <p:nvSpPr>
-          <p:cNvPr id="2" name="Title 1">
-            <a:extLst>
-              <a:ext uri="{FF2B5EF4-FFF2-40B4-BE49-F238E27FC236}">
-                <a16:creationId xmlns:a16="http://schemas.microsoft.com/office/drawing/2014/main" id="{81769C98-962F-4C3A-B575-99BB0A9C6763}"/>
-              </a:ext>
-            </a:extLst>
-          </p:cNvPr>
-          <p:cNvSpPr>
-            <a:spLocks noGrp="1"/>
-          </p:cNvSpPr>
-          <p:nvPr>
-            <p:ph type="title"/>
-          </p:nvPr>
-        </p:nvSpPr>
-        <p:spPr>
-          <a:xfrm>
-            <a:off x="910628" y="371568"/>
-            <a:ext cx="10515600" cy="892835"/>
-          </a:xfrm>
-        </p:spPr>
-        <p:txBody>
-          <a:bodyPr/>
-          <a:lstStyle/>
-          <a:p>
-            <a:r>
-              <a:rPr lang="en-GB" dirty="0">
-                <a:solidFill>
-                  <a:schemeClr val="bg1"/>
-                </a:solidFill>
-              </a:rPr>
-              <a:t>Endpoints</a:t>
-            </a:r>
-          </a:p>
-        </p:txBody>
-      </p:sp>
-      <p:sp>
-        <p:nvSpPr>
-          <p:cNvPr id="3" name="Content Placeholder 2">
-            <a:extLst>
-              <a:ext uri="{FF2B5EF4-FFF2-40B4-BE49-F238E27FC236}">
-                <a16:creationId xmlns:a16="http://schemas.microsoft.com/office/drawing/2014/main" id="{C77D8FCA-15A2-453C-BEDB-B01FF3E48151}"/>
-              </a:ext>
-            </a:extLst>
-          </p:cNvPr>
-          <p:cNvSpPr>
-            <a:spLocks noGrp="1"/>
-          </p:cNvSpPr>
-          <p:nvPr>
-            <p:ph idx="1"/>
-          </p:nvPr>
-        </p:nvSpPr>
-        <p:spPr>
-          <a:xfrm>
-            <a:off x="910628" y="1348300"/>
-            <a:ext cx="10515600" cy="5185757"/>
-          </a:xfrm>
-        </p:spPr>
-        <p:txBody>
-          <a:bodyPr>
-            <a:noAutofit/>
-          </a:bodyPr>
-          <a:lstStyle/>
-          <a:p>
-            <a:pPr marL="457200" lvl="1" indent="0">
-              <a:buNone/>
-            </a:pPr>
-            <a:endParaRPr lang="en-GB" sz="900" dirty="0">
-              <a:solidFill>
-                <a:schemeClr val="bg1"/>
-              </a:solidFill>
-              <a:latin typeface="Segoe UI" panose="020B0502040204020203" pitchFamily="34" charset="0"/>
-              <a:cs typeface="Segoe UI" panose="020B0502040204020203" pitchFamily="34" charset="0"/>
-            </a:endParaRPr>
-          </a:p>
-          <a:p>
-            <a:pPr marL="457200" lvl="1" indent="0">
-              <a:buNone/>
-            </a:pPr>
-            <a:r>
-              <a:rPr lang="en-GB" sz="3600" dirty="0">
-                <a:solidFill>
-                  <a:schemeClr val="bg1"/>
-                </a:solidFill>
-                <a:latin typeface="Segoe UI" panose="020B0502040204020203" pitchFamily="34" charset="0"/>
-                <a:cs typeface="Segoe UI" panose="020B0502040204020203" pitchFamily="34" charset="0"/>
-              </a:rPr>
-              <a:t>HTTP VERB + URL = ENDPOINT</a:t>
-            </a:r>
-          </a:p>
-          <a:p>
-            <a:pPr marL="457200" lvl="1" indent="0">
-              <a:buNone/>
-            </a:pPr>
-            <a:r>
-              <a:rPr lang="en-GB" sz="3600" dirty="0">
-                <a:solidFill>
-                  <a:schemeClr val="bg1"/>
-                </a:solidFill>
-                <a:latin typeface="Segoe UI" panose="020B0502040204020203" pitchFamily="34" charset="0"/>
-                <a:cs typeface="Segoe UI" panose="020B0502040204020203" pitchFamily="34" charset="0"/>
-              </a:rPr>
-              <a:t>GET/POST + same URL = 2 ENDPOINTS</a:t>
-            </a:r>
-          </a:p>
-          <a:p>
-            <a:pPr marL="457200" lvl="1" indent="0">
-              <a:buNone/>
-            </a:pPr>
-            <a:r>
-              <a:rPr lang="en-GB" sz="2400" dirty="0">
-                <a:solidFill>
-                  <a:schemeClr val="bg1"/>
-                </a:solidFill>
-                <a:hlinkClick r:id="rId2">
-                  <a:extLst>
-                    <a:ext uri="{A12FA001-AC4F-418D-AE19-62706E023703}">
-                      <ahyp:hlinkClr xmlns:ahyp="http://schemas.microsoft.com/office/drawing/2018/hyperlinkcolor" val="tx"/>
-                    </a:ext>
-                  </a:extLst>
-                </a:hlinkClick>
-              </a:rPr>
-              <a:t>https://wpjs.co.uk/wpb/wp-json/wp/v2/posts</a:t>
-            </a:r>
-            <a:r>
-              <a:rPr lang="en-GB" sz="2400" dirty="0">
-                <a:solidFill>
-                  <a:schemeClr val="bg1"/>
-                </a:solidFill>
-              </a:rPr>
-              <a:t>  GET/POST/DELETE</a:t>
-            </a:r>
-            <a:endParaRPr lang="en-GB" sz="2400" dirty="0">
-              <a:solidFill>
-                <a:schemeClr val="bg1"/>
-              </a:solidFill>
-              <a:latin typeface="Segoe UI" panose="020B0502040204020203" pitchFamily="34" charset="0"/>
-              <a:cs typeface="Segoe UI" panose="020B0502040204020203" pitchFamily="34" charset="0"/>
-            </a:endParaRPr>
-          </a:p>
-          <a:p>
-            <a:endParaRPr lang="en-GB" dirty="0"/>
-          </a:p>
-        </p:txBody>
-      </p:sp>
-    </p:spTree>
-    <p:extLst>
-      <p:ext uri="{BB962C8B-B14F-4D97-AF65-F5344CB8AC3E}">
-        <p14:creationId xmlns:p14="http://schemas.microsoft.com/office/powerpoint/2010/main" val="3261839569"/>
-      </p:ext>
-    </p:extLst>
-  </p:cSld>
-  <p:clrMapOvr>
-    <a:masterClrMapping/>
-  </p:clrMapOvr>
-</p:sld>
-</file>
-
-<file path=ppt/slides/slide8.xml><?xml version="1.0" encoding="utf-8"?>
-<p:sld xmlns:a="http://schemas.openxmlformats.org/drawingml/2006/main" xmlns:r="http://schemas.openxmlformats.org/officeDocument/2006/relationships" xmlns:p="http://schemas.openxmlformats.org/presentationml/2006/main">
-  <p:cSld>
-    <p:spTree>
-      <p:nvGrpSpPr>
-        <p:cNvPr id="1" name=""/>
-        <p:cNvGrpSpPr/>
-        <p:nvPr/>
-      </p:nvGrpSpPr>
-      <p:grpSpPr>
-        <a:xfrm>
-          <a:off x="0" y="0"/>
-          <a:ext cx="0" cy="0"/>
-          <a:chOff x="0" y="0"/>
-          <a:chExt cx="0" cy="0"/>
-        </a:xfrm>
-      </p:grpSpPr>
-      <p:sp>
-        <p:nvSpPr>
-          <p:cNvPr id="2" name="Title 1">
-            <a:extLst>
-              <a:ext uri="{FF2B5EF4-FFF2-40B4-BE49-F238E27FC236}">
-                <a16:creationId xmlns:a16="http://schemas.microsoft.com/office/drawing/2014/main" id="{81769C98-962F-4C3A-B575-99BB0A9C6763}"/>
-              </a:ext>
-            </a:extLst>
-          </p:cNvPr>
-          <p:cNvSpPr>
-            <a:spLocks noGrp="1"/>
-          </p:cNvSpPr>
-          <p:nvPr>
-            <p:ph type="title"/>
-          </p:nvPr>
-        </p:nvSpPr>
-        <p:spPr>
-          <a:xfrm>
-            <a:off x="920153" y="320950"/>
-            <a:ext cx="10515600" cy="892835"/>
-          </a:xfrm>
-        </p:spPr>
-        <p:txBody>
-          <a:bodyPr/>
-          <a:lstStyle/>
-          <a:p>
-            <a:r>
-              <a:rPr lang="en-GB" dirty="0">
-                <a:solidFill>
-                  <a:schemeClr val="bg1"/>
-                </a:solidFill>
-              </a:rPr>
-              <a:t>AJAX</a:t>
-            </a:r>
-          </a:p>
-        </p:txBody>
-      </p:sp>
-      <p:sp>
-        <p:nvSpPr>
-          <p:cNvPr id="3" name="Content Placeholder 2">
-            <a:extLst>
-              <a:ext uri="{FF2B5EF4-FFF2-40B4-BE49-F238E27FC236}">
-                <a16:creationId xmlns:a16="http://schemas.microsoft.com/office/drawing/2014/main" id="{C77D8FCA-15A2-453C-BEDB-B01FF3E48151}"/>
-              </a:ext>
-            </a:extLst>
-          </p:cNvPr>
-          <p:cNvSpPr>
-            <a:spLocks noGrp="1"/>
-          </p:cNvSpPr>
-          <p:nvPr>
-            <p:ph idx="1"/>
-          </p:nvPr>
-        </p:nvSpPr>
-        <p:spPr>
-          <a:xfrm>
-            <a:off x="838200" y="904875"/>
-            <a:ext cx="10515600" cy="5185757"/>
-          </a:xfrm>
-        </p:spPr>
-        <p:txBody>
-          <a:bodyPr>
-            <a:noAutofit/>
-          </a:bodyPr>
-          <a:lstStyle/>
-          <a:p>
-            <a:pPr marL="457200" lvl="1" indent="0">
-              <a:buNone/>
-            </a:pPr>
-            <a:endParaRPr lang="en-GB" sz="900" dirty="0">
-              <a:solidFill>
-                <a:schemeClr val="bg1"/>
-              </a:solidFill>
-              <a:latin typeface="Segoe UI" panose="020B0502040204020203" pitchFamily="34" charset="0"/>
-              <a:cs typeface="Segoe UI" panose="020B0502040204020203" pitchFamily="34" charset="0"/>
-            </a:endParaRPr>
-          </a:p>
-          <a:p>
-            <a:pPr marL="457200" lvl="1" indent="0">
-              <a:buNone/>
-            </a:pPr>
-            <a:r>
-              <a:rPr lang="en-GB" sz="3600" dirty="0">
-                <a:solidFill>
-                  <a:schemeClr val="bg1"/>
-                </a:solidFill>
-              </a:rPr>
-              <a:t>AJAX = </a:t>
-            </a:r>
-            <a:r>
-              <a:rPr lang="en-GB" sz="3600" b="1" dirty="0">
-                <a:solidFill>
-                  <a:schemeClr val="bg1"/>
-                </a:solidFill>
-              </a:rPr>
-              <a:t>A</a:t>
-            </a:r>
-            <a:r>
-              <a:rPr lang="en-GB" sz="3600" dirty="0">
-                <a:solidFill>
-                  <a:schemeClr val="bg1"/>
-                </a:solidFill>
-              </a:rPr>
-              <a:t>synchronous </a:t>
-            </a:r>
-            <a:r>
-              <a:rPr lang="en-GB" sz="3600" b="1" dirty="0">
-                <a:solidFill>
-                  <a:schemeClr val="bg1"/>
-                </a:solidFill>
-              </a:rPr>
-              <a:t>J</a:t>
-            </a:r>
-            <a:r>
-              <a:rPr lang="en-GB" sz="3600" dirty="0">
-                <a:solidFill>
-                  <a:schemeClr val="bg1"/>
-                </a:solidFill>
-              </a:rPr>
-              <a:t>avaScript </a:t>
-            </a:r>
-            <a:r>
-              <a:rPr lang="en-GB" sz="3600" b="1" dirty="0">
-                <a:solidFill>
-                  <a:schemeClr val="bg1"/>
-                </a:solidFill>
-              </a:rPr>
-              <a:t>A</a:t>
-            </a:r>
-            <a:r>
-              <a:rPr lang="en-GB" sz="3600" dirty="0">
-                <a:solidFill>
-                  <a:schemeClr val="bg1"/>
-                </a:solidFill>
-              </a:rPr>
-              <a:t>nd </a:t>
-            </a:r>
-            <a:r>
-              <a:rPr lang="en-GB" sz="3600" b="1" dirty="0">
-                <a:solidFill>
-                  <a:schemeClr val="bg1"/>
-                </a:solidFill>
-              </a:rPr>
-              <a:t>X</a:t>
-            </a:r>
-            <a:r>
-              <a:rPr lang="en-GB" sz="3600" dirty="0">
-                <a:solidFill>
-                  <a:schemeClr val="bg1"/>
-                </a:solidFill>
-              </a:rPr>
-              <a:t>ML.</a:t>
-            </a:r>
-            <a:endParaRPr lang="en-GB" sz="3600" dirty="0">
-              <a:solidFill>
-                <a:schemeClr val="bg1"/>
-              </a:solidFill>
-              <a:latin typeface="Segoe UI" panose="020B0502040204020203" pitchFamily="34" charset="0"/>
-              <a:cs typeface="Segoe UI" panose="020B0502040204020203" pitchFamily="34" charset="0"/>
-            </a:endParaRPr>
-          </a:p>
-          <a:p>
-            <a:pPr lvl="1"/>
-            <a:r>
-              <a:rPr lang="en-GB" sz="3600" dirty="0">
-                <a:solidFill>
-                  <a:schemeClr val="bg1"/>
-                </a:solidFill>
-              </a:rPr>
-              <a:t>Read data from a web server </a:t>
-            </a:r>
-            <a:r>
-              <a:rPr lang="en-GB" sz="3600" i="1" dirty="0">
-                <a:solidFill>
-                  <a:schemeClr val="bg1"/>
-                </a:solidFill>
-              </a:rPr>
-              <a:t>without reloading the page</a:t>
-            </a:r>
-          </a:p>
-          <a:p>
-            <a:pPr lvl="1"/>
-            <a:r>
-              <a:rPr lang="en-GB" sz="3600" dirty="0">
-                <a:solidFill>
-                  <a:schemeClr val="bg1"/>
-                </a:solidFill>
-              </a:rPr>
-              <a:t>Update a web page</a:t>
-            </a:r>
-          </a:p>
-          <a:p>
-            <a:pPr lvl="1"/>
-            <a:r>
-              <a:rPr lang="en-GB" sz="3600" dirty="0">
-                <a:solidFill>
-                  <a:schemeClr val="bg1"/>
-                </a:solidFill>
-              </a:rPr>
-              <a:t>Send data to a web server - in the background</a:t>
-            </a:r>
-          </a:p>
-          <a:p>
-            <a:endParaRPr lang="en-GB" dirty="0"/>
-          </a:p>
-        </p:txBody>
-      </p:sp>
-    </p:spTree>
-    <p:extLst>
-      <p:ext uri="{BB962C8B-B14F-4D97-AF65-F5344CB8AC3E}">
-        <p14:creationId xmlns:p14="http://schemas.microsoft.com/office/powerpoint/2010/main" val="1482472910"/>
-      </p:ext>
-    </p:extLst>
-  </p:cSld>
-  <p:clrMapOvr>
-    <a:masterClrMapping/>
-  </p:clrMapOvr>
-</p:sld>
-</file>
-
 <file path=ppt/slides/slide9.xml><?xml version="1.0" encoding="utf-8"?>
 <p:sld xmlns:a="http://schemas.openxmlformats.org/drawingml/2006/main" xmlns:r="http://schemas.openxmlformats.org/officeDocument/2006/relationships" xmlns:p="http://schemas.openxmlformats.org/presentationml/2006/main">
   <p:cSld>
@@ -7057,7 +7818,7 @@
         </p:nvSpPr>
         <p:spPr>
           <a:xfrm>
-            <a:off x="910628" y="354940"/>
+            <a:off x="910628" y="323943"/>
             <a:ext cx="10515600" cy="892835"/>
           </a:xfrm>
         </p:spPr>
@@ -7071,7 +7832,7 @@
                   <a:schemeClr val="bg1"/>
                 </a:solidFill>
               </a:rPr>
-              <a:t>JSON – JavaScript Object Notation</a:t>
+              <a:t>WordPress REST API</a:t>
             </a:r>
           </a:p>
         </p:txBody>
@@ -7094,7 +7855,7 @@
         </p:nvSpPr>
         <p:spPr>
           <a:xfrm>
-            <a:off x="669200" y="532921"/>
+            <a:off x="910628" y="1348300"/>
             <a:ext cx="10515600" cy="5185757"/>
           </a:xfrm>
         </p:spPr>
@@ -7104,71 +7865,86 @@
           </a:bodyPr>
           <a:lstStyle/>
           <a:p>
-            <a:pPr marL="457200" lvl="1" indent="0">
-              <a:buNone/>
+            <a:pPr marL="914400" lvl="1" indent="-457200">
+              <a:buFont typeface="Arial" panose="020B0604020202020204" pitchFamily="34" charset="0"/>
+              <a:buChar char="•"/>
             </a:pPr>
-            <a:endParaRPr lang="en-GB" sz="900" dirty="0">
+            <a:r>
+              <a:rPr lang="en-GB" sz="3200" dirty="0">
+                <a:solidFill>
+                  <a:schemeClr val="bg1"/>
+                </a:solidFill>
+              </a:rPr>
+              <a:t>What is REST?</a:t>
+            </a:r>
+          </a:p>
+          <a:p>
+            <a:pPr marL="914400" lvl="1" indent="-457200">
+              <a:buFont typeface="Arial" panose="020B0604020202020204" pitchFamily="34" charset="0"/>
+              <a:buChar char="•"/>
+            </a:pPr>
+            <a:r>
+              <a:rPr lang="en-GB" sz="3200" dirty="0">
+                <a:solidFill>
+                  <a:schemeClr val="bg1"/>
+                </a:solidFill>
+              </a:rPr>
+              <a:t>This was formulated by Roy Fielding for his thesis in 2000.</a:t>
+            </a:r>
+          </a:p>
+          <a:p>
+            <a:pPr marL="914400" lvl="1" indent="-457200">
+              <a:buFont typeface="Arial" panose="020B0604020202020204" pitchFamily="34" charset="0"/>
+              <a:buChar char="•"/>
+            </a:pPr>
+            <a:r>
+              <a:rPr lang="en-GB" sz="3200" dirty="0">
+                <a:solidFill>
+                  <a:schemeClr val="bg1"/>
+                </a:solidFill>
+              </a:rPr>
+              <a:t>An architectural style not a protocol.</a:t>
+            </a:r>
+          </a:p>
+          <a:p>
+            <a:pPr marL="914400" lvl="1" indent="-457200">
+              <a:buFont typeface="Arial" panose="020B0604020202020204" pitchFamily="34" charset="0"/>
+              <a:buChar char="•"/>
+            </a:pPr>
+            <a:r>
+              <a:rPr lang="en-GB" sz="3200" dirty="0">
+                <a:solidFill>
+                  <a:schemeClr val="bg1"/>
+                </a:solidFill>
+              </a:rPr>
+              <a:t>HTTP by its nature is implicitly RESTful.</a:t>
+            </a:r>
+          </a:p>
+          <a:p>
+            <a:pPr marL="914400" lvl="1" indent="-457200">
+              <a:buFont typeface="Arial" panose="020B0604020202020204" pitchFamily="34" charset="0"/>
+              <a:buChar char="•"/>
+            </a:pPr>
+            <a:r>
+              <a:rPr lang="en-GB" sz="3200" dirty="0">
+                <a:solidFill>
+                  <a:schemeClr val="bg1"/>
+                </a:solidFill>
+                <a:hlinkClick r:id="rId2">
+                  <a:extLst>
+                    <a:ext uri="{A12FA001-AC4F-418D-AE19-62706E023703}">
+                      <ahyp:hlinkClr xmlns:ahyp="http://schemas.microsoft.com/office/drawing/2018/hyperlinkcolor" val="tx"/>
+                    </a:ext>
+                  </a:extLst>
+                </a:hlinkClick>
+              </a:rPr>
+              <a:t>https://www.ics.uci.edu/~fielding/pubs/dissertation/rest_arch_style.htm</a:t>
+            </a:r>
+            <a:endParaRPr lang="en-GB" sz="3200" dirty="0">
               <a:solidFill>
                 <a:schemeClr val="bg1"/>
               </a:solidFill>
-              <a:latin typeface="Segoe UI" panose="020B0502040204020203" pitchFamily="34" charset="0"/>
-              <a:cs typeface="Segoe UI" panose="020B0502040204020203" pitchFamily="34" charset="0"/>
             </a:endParaRPr>
-          </a:p>
-          <a:p>
-            <a:pPr lvl="1"/>
-            <a:r>
-              <a:rPr lang="en-GB" sz="2800" dirty="0">
-                <a:solidFill>
-                  <a:schemeClr val="bg1"/>
-                </a:solidFill>
-              </a:rPr>
-              <a:t>Essentially arrays of arrays.</a:t>
-            </a:r>
-          </a:p>
-          <a:p>
-            <a:pPr lvl="1"/>
-            <a:r>
-              <a:rPr lang="en-GB" sz="2800" dirty="0">
-                <a:solidFill>
-                  <a:schemeClr val="bg1"/>
-                </a:solidFill>
-              </a:rPr>
-              <a:t>JSON is a lightweight format for storing and transporting data</a:t>
-            </a:r>
-          </a:p>
-          <a:p>
-            <a:pPr lvl="1"/>
-            <a:r>
-              <a:rPr lang="en-GB" sz="2800" dirty="0">
-                <a:solidFill>
-                  <a:schemeClr val="bg1"/>
-                </a:solidFill>
-              </a:rPr>
-              <a:t>JSON is often used when data is sent from a server to a web page</a:t>
-            </a:r>
-          </a:p>
-          <a:p>
-            <a:pPr lvl="1"/>
-            <a:r>
-              <a:rPr lang="en-GB" sz="2800" dirty="0">
-                <a:solidFill>
-                  <a:schemeClr val="bg1"/>
-                </a:solidFill>
-              </a:rPr>
-              <a:t>JSON is "self-describing" and easy to understand.</a:t>
-            </a:r>
-          </a:p>
-          <a:p>
-            <a:pPr lvl="1"/>
-            <a:r>
-              <a:rPr lang="en-GB" sz="2800" dirty="0">
-                <a:solidFill>
-                  <a:schemeClr val="bg1"/>
-                </a:solidFill>
-              </a:rPr>
-              <a:t>Data is in name/value pairs separated by commas.</a:t>
-            </a:r>
           </a:p>
           <a:p>
             <a:endParaRPr lang="en-GB" dirty="0"/>
@@ -7178,7 +7954,7 @@
     </p:spTree>
     <p:extLst>
       <p:ext uri="{BB962C8B-B14F-4D97-AF65-F5344CB8AC3E}">
-        <p14:creationId xmlns:p14="http://schemas.microsoft.com/office/powerpoint/2010/main" val="4018142618"/>
+        <p14:creationId xmlns:p14="http://schemas.microsoft.com/office/powerpoint/2010/main" val="698649124"/>
       </p:ext>
     </p:extLst>
   </p:cSld>
